--- a/main/prs_2022-048p.pptx
+++ b/main/prs_2022-048p.pptx
@@ -5,7 +5,7 @@
     <p:sldMasterId id="2147483648" r:id="rId1"/>
   </p:sldMasterIdLst>
   <p:notesMasterIdLst>
-    <p:notesMasterId r:id="rId9"/>
+    <p:notesMasterId r:id="rId10"/>
   </p:notesMasterIdLst>
   <p:sldIdLst>
     <p:sldId id="256" r:id="rId2"/>
@@ -15,6 +15,7 @@
     <p:sldId id="261" r:id="rId6"/>
     <p:sldId id="262" r:id="rId7"/>
     <p:sldId id="263" r:id="rId8"/>
+    <p:sldId id="264" r:id="rId9"/>
   </p:sldIdLst>
   <p:sldSz cx="12192000" cy="6858000"/>
   <p:notesSz cx="6858000" cy="9144000"/>
@@ -113,6 +114,11 @@
       </a:defRPr>
     </a:lvl9pPr>
   </p:defaultTextStyle>
+  <p:extLst>
+    <p:ext uri="{EFAFB233-063F-42B5-8137-9DF3F51BA10A}">
+      <p15:sldGuideLst xmlns:p15="http://schemas.microsoft.com/office/powerpoint/2012/main"/>
+    </p:ext>
+  </p:extLst>
 </p:presentation>
 </file>
 
@@ -198,7 +204,7 @@
           <a:p>
             <a:fld id="{8ECBB550-6473-4691-BD56-C59D80F99B67}" type="datetimeFigureOut">
               <a:rPr lang="en-US" smtClean="0"/>
-              <a:t>5/29/2022</a:t>
+              <a:t>6/12/2022</a:t>
             </a:fld>
             <a:endParaRPr lang="en-US"/>
           </a:p>
@@ -612,7 +618,7 @@
           <a:p>
             <a:fld id="{4FD3647A-636B-45AF-916D-D283E7459960}" type="datetimeFigureOut">
               <a:rPr lang="en-US" smtClean="0"/>
-              <a:t>5/29/2022</a:t>
+              <a:t>6/12/2022</a:t>
             </a:fld>
             <a:endParaRPr lang="en-US"/>
           </a:p>
@@ -810,7 +816,7 @@
           <a:p>
             <a:fld id="{4FD3647A-636B-45AF-916D-D283E7459960}" type="datetimeFigureOut">
               <a:rPr lang="en-US" smtClean="0"/>
-              <a:t>5/29/2022</a:t>
+              <a:t>6/12/2022</a:t>
             </a:fld>
             <a:endParaRPr lang="en-US"/>
           </a:p>
@@ -1018,7 +1024,7 @@
           <a:p>
             <a:fld id="{4FD3647A-636B-45AF-916D-D283E7459960}" type="datetimeFigureOut">
               <a:rPr lang="en-US" smtClean="0"/>
-              <a:t>5/29/2022</a:t>
+              <a:t>6/12/2022</a:t>
             </a:fld>
             <a:endParaRPr lang="en-US"/>
           </a:p>
@@ -1216,7 +1222,7 @@
           <a:p>
             <a:fld id="{4FD3647A-636B-45AF-916D-D283E7459960}" type="datetimeFigureOut">
               <a:rPr lang="en-US" smtClean="0"/>
-              <a:t>5/29/2022</a:t>
+              <a:t>6/12/2022</a:t>
             </a:fld>
             <a:endParaRPr lang="en-US"/>
           </a:p>
@@ -1491,7 +1497,7 @@
           <a:p>
             <a:fld id="{4FD3647A-636B-45AF-916D-D283E7459960}" type="datetimeFigureOut">
               <a:rPr lang="en-US" smtClean="0"/>
-              <a:t>5/29/2022</a:t>
+              <a:t>6/12/2022</a:t>
             </a:fld>
             <a:endParaRPr lang="en-US"/>
           </a:p>
@@ -1756,7 +1762,7 @@
           <a:p>
             <a:fld id="{4FD3647A-636B-45AF-916D-D283E7459960}" type="datetimeFigureOut">
               <a:rPr lang="en-US" smtClean="0"/>
-              <a:t>5/29/2022</a:t>
+              <a:t>6/12/2022</a:t>
             </a:fld>
             <a:endParaRPr lang="en-US"/>
           </a:p>
@@ -2168,7 +2174,7 @@
           <a:p>
             <a:fld id="{4FD3647A-636B-45AF-916D-D283E7459960}" type="datetimeFigureOut">
               <a:rPr lang="en-US" smtClean="0"/>
-              <a:t>5/29/2022</a:t>
+              <a:t>6/12/2022</a:t>
             </a:fld>
             <a:endParaRPr lang="en-US"/>
           </a:p>
@@ -2309,7 +2315,7 @@
           <a:p>
             <a:fld id="{4FD3647A-636B-45AF-916D-D283E7459960}" type="datetimeFigureOut">
               <a:rPr lang="en-US" smtClean="0"/>
-              <a:t>5/29/2022</a:t>
+              <a:t>6/12/2022</a:t>
             </a:fld>
             <a:endParaRPr lang="en-US"/>
           </a:p>
@@ -2422,7 +2428,7 @@
           <a:p>
             <a:fld id="{4FD3647A-636B-45AF-916D-D283E7459960}" type="datetimeFigureOut">
               <a:rPr lang="en-US" smtClean="0"/>
-              <a:t>5/29/2022</a:t>
+              <a:t>6/12/2022</a:t>
             </a:fld>
             <a:endParaRPr lang="en-US"/>
           </a:p>
@@ -2733,7 +2739,7 @@
           <a:p>
             <a:fld id="{4FD3647A-636B-45AF-916D-D283E7459960}" type="datetimeFigureOut">
               <a:rPr lang="en-US" smtClean="0"/>
-              <a:t>5/29/2022</a:t>
+              <a:t>6/12/2022</a:t>
             </a:fld>
             <a:endParaRPr lang="en-US"/>
           </a:p>
@@ -3021,7 +3027,7 @@
           <a:p>
             <a:fld id="{4FD3647A-636B-45AF-916D-D283E7459960}" type="datetimeFigureOut">
               <a:rPr lang="en-US" smtClean="0"/>
-              <a:t>5/29/2022</a:t>
+              <a:t>6/12/2022</a:t>
             </a:fld>
             <a:endParaRPr lang="en-US"/>
           </a:p>
@@ -3262,7 +3268,7 @@
           <a:p>
             <a:fld id="{4FD3647A-636B-45AF-916D-D283E7459960}" type="datetimeFigureOut">
               <a:rPr lang="en-US" smtClean="0"/>
-              <a:t>5/29/2022</a:t>
+              <a:t>6/12/2022</a:t>
             </a:fld>
             <a:endParaRPr lang="en-US"/>
           </a:p>
@@ -3744,27 +3750,27 @@
           <a:lstStyle/>
           <a:p>
             <a:r>
-              <a:rPr lang="en-US"/>
+              <a:rPr lang="en-US" dirty="0"/>
               <a:t>Project number: p-2022-048</a:t>
             </a:r>
             <a:br>
-              <a:rPr lang="en-US"/>
+              <a:rPr lang="en-US" dirty="0"/>
             </a:br>
             <a:br>
-              <a:rPr lang="en-US"/>
+              <a:rPr lang="en-US" dirty="0"/>
             </a:br>
             <a:r>
-              <a:rPr lang="en-US"/>
-              <a:t>Students names: Raam Kavod, Eylon Kapel</a:t>
+              <a:rPr lang="en-US" dirty="0"/>
+              <a:t>Students' names: Raam Kavod, Eylon Kapel</a:t>
             </a:r>
             <a:br>
-              <a:rPr lang="en-US"/>
+              <a:rPr lang="en-US" dirty="0"/>
             </a:br>
             <a:br>
-              <a:rPr lang="en-US"/>
+              <a:rPr lang="en-US" dirty="0"/>
             </a:br>
             <a:r>
-              <a:rPr lang="en-US"/>
+              <a:rPr lang="en-US" dirty="0"/>
               <a:t>Advisor: Dr Ilan Shalish</a:t>
             </a:r>
           </a:p>
@@ -4255,12 +4261,8 @@
           <a:lstStyle/>
           <a:p>
             <a:r>
-              <a:rPr lang="en-US" dirty="0" err="1"/>
-              <a:t>Intruduction</a:t>
-            </a:r>
-            <a:r>
               <a:rPr lang="en-US" dirty="0"/>
-              <a:t>:</a:t>
+              <a:t>Introduction:</a:t>
             </a:r>
           </a:p>
           <a:p>
@@ -4445,12 +4447,8 @@
               <a:defRPr/>
             </a:pPr>
             <a:r>
-              <a:rPr lang="en-US" sz="2400" dirty="0" err="1"/>
-              <a:t>Techincal</a:t>
-            </a:r>
-            <a:r>
               <a:rPr lang="en-US" sz="2400" dirty="0"/>
-              <a:t> objectives: </a:t>
+              <a:t>Technical objectives: </a:t>
             </a:r>
           </a:p>
           <a:p>
@@ -5855,52 +5853,22 @@
           </a:p>
         </p:txBody>
       </p:sp>
-      <p:pic>
-        <p:nvPicPr>
-          <p:cNvPr id="3" name="Picture 2">
-            <a:extLst>
-              <a:ext uri="{FF2B5EF4-FFF2-40B4-BE49-F238E27FC236}">
-                <a16:creationId xmlns:a16="http://schemas.microsoft.com/office/drawing/2014/main" id="{A9294952-B9FE-25E9-91C1-EF667C7D44AC}"/>
-              </a:ext>
-            </a:extLst>
-          </p:cNvPr>
-          <p:cNvPicPr>
-            <a:picLocks noChangeAspect="1"/>
-          </p:cNvPicPr>
+      <p:sp>
+        <p:nvSpPr>
+          <p:cNvPr id="4" name="TextBox 3">
+            <a:extLst>
+              <a:ext uri="{FF2B5EF4-FFF2-40B4-BE49-F238E27FC236}">
+                <a16:creationId xmlns:a16="http://schemas.microsoft.com/office/drawing/2014/main" id="{262E2A51-53A5-D111-1590-13FBFCF73FF0}"/>
+              </a:ext>
+            </a:extLst>
+          </p:cNvPr>
+          <p:cNvSpPr txBox="1"/>
           <p:nvPr/>
-        </p:nvPicPr>
-        <p:blipFill>
-          <a:blip r:embed="rId2"/>
-          <a:stretch>
-            <a:fillRect/>
-          </a:stretch>
-        </p:blipFill>
+        </p:nvSpPr>
         <p:spPr>
           <a:xfrm>
-            <a:off x="6585884" y="1418540"/>
-            <a:ext cx="5606116" cy="5248484"/>
-          </a:xfrm>
-          <a:prstGeom prst="rect">
-            <a:avLst/>
-          </a:prstGeom>
-        </p:spPr>
-      </p:pic>
-      <p:sp>
-        <p:nvSpPr>
-          <p:cNvPr id="4" name="TextBox 3">
-            <a:extLst>
-              <a:ext uri="{FF2B5EF4-FFF2-40B4-BE49-F238E27FC236}">
-                <a16:creationId xmlns:a16="http://schemas.microsoft.com/office/drawing/2014/main" id="{262E2A51-53A5-D111-1590-13FBFCF73FF0}"/>
-              </a:ext>
-            </a:extLst>
-          </p:cNvPr>
-          <p:cNvSpPr txBox="1"/>
-          <p:nvPr/>
-        </p:nvSpPr>
-        <p:spPr>
-          <a:xfrm>
-            <a:off x="352424" y="1366301"/>
-            <a:ext cx="5884545" cy="2092881"/>
+            <a:off x="336123" y="1071026"/>
+            <a:ext cx="5884545" cy="3170099"/>
           </a:xfrm>
           <a:prstGeom prst="rect">
             <a:avLst/>
@@ -5933,7 +5901,21 @@
               <a:rPr lang="en-US" dirty="0"/>
               <a:t>The experiment included measurements of the magnetic field by a Magnometer in each step of the Stepper Motor for the length of the conveyor belt and conversion of the motor steps to distance in millimeters.</a:t>
             </a:r>
+          </a:p>
+          <a:p>
+            <a:pPr>
+              <a:defRPr/>
+            </a:pPr>
             <a:endParaRPr lang="en-US" sz="1600" dirty="0"/>
+          </a:p>
+          <a:p>
+            <a:pPr>
+              <a:defRPr/>
+            </a:pPr>
+            <a:r>
+              <a:rPr lang="en-US" dirty="0"/>
+              <a:t>The results agrees with our expectations, the magnetic field decreases at such a rate that at the edge of the conveyor belt the magnetic field’s strength is negligible.</a:t>
+            </a:r>
           </a:p>
           <a:p>
             <a:pPr marL="457200" indent="-457200">
@@ -5959,7 +5941,7 @@
           <p:nvPr/>
         </p:nvPicPr>
         <p:blipFill>
-          <a:blip r:embed="rId3">
+          <a:blip r:embed="rId2">
             <a:extLst>
               <a:ext uri="{28A0092B-C50C-407E-A947-70E740481C1C}">
                 <a14:useLocalDpi xmlns:a14="http://schemas.microsoft.com/office/drawing/2010/main" val="0"/>
@@ -6004,10 +5986,283 @@
           </a:extLst>
         </p:spPr>
       </p:pic>
+      <p:pic>
+        <p:nvPicPr>
+          <p:cNvPr id="10" name="Picture 9">
+            <a:extLst>
+              <a:ext uri="{FF2B5EF4-FFF2-40B4-BE49-F238E27FC236}">
+                <a16:creationId xmlns:a16="http://schemas.microsoft.com/office/drawing/2014/main" id="{073BC424-CEDF-9F7A-2F11-FC74C6ECE741}"/>
+              </a:ext>
+            </a:extLst>
+          </p:cNvPr>
+          <p:cNvPicPr>
+            <a:picLocks noChangeAspect="1"/>
+          </p:cNvPicPr>
+          <p:nvPr/>
+        </p:nvPicPr>
+        <p:blipFill rotWithShape="1">
+          <a:blip r:embed="rId3"/>
+          <a:srcRect r="4462" b="1070"/>
+          <a:stretch/>
+        </p:blipFill>
+        <p:spPr>
+          <a:xfrm>
+            <a:off x="6610351" y="970657"/>
+            <a:ext cx="5448300" cy="5506343"/>
+          </a:xfrm>
+          <a:prstGeom prst="rect">
+            <a:avLst/>
+          </a:prstGeom>
+        </p:spPr>
+      </p:pic>
     </p:spTree>
     <p:extLst>
       <p:ext uri="{BB962C8B-B14F-4D97-AF65-F5344CB8AC3E}">
         <p14:creationId xmlns:p14="http://schemas.microsoft.com/office/powerpoint/2010/main" val="4117293973"/>
+      </p:ext>
+    </p:extLst>
+  </p:cSld>
+  <p:clrMapOvr>
+    <a:masterClrMapping/>
+  </p:clrMapOvr>
+</p:sld>
+</file>
+
+<file path=ppt/slides/slide8.xml><?xml version="1.0" encoding="utf-8"?>
+<p:sld xmlns:a="http://schemas.openxmlformats.org/drawingml/2006/main" xmlns:r="http://schemas.openxmlformats.org/officeDocument/2006/relationships" xmlns:p="http://schemas.openxmlformats.org/presentationml/2006/main">
+  <p:cSld>
+    <p:spTree>
+      <p:nvGrpSpPr>
+        <p:cNvPr id="1" name=""/>
+        <p:cNvGrpSpPr/>
+        <p:nvPr/>
+      </p:nvGrpSpPr>
+      <p:grpSpPr>
+        <a:xfrm>
+          <a:off x="0" y="0"/>
+          <a:ext cx="0" cy="0"/>
+          <a:chOff x="0" y="0"/>
+          <a:chExt cx="0" cy="0"/>
+        </a:xfrm>
+      </p:grpSpPr>
+      <p:sp>
+        <p:nvSpPr>
+          <p:cNvPr id="3" name="TextBox 2">
+            <a:extLst>
+              <a:ext uri="{FF2B5EF4-FFF2-40B4-BE49-F238E27FC236}">
+                <a16:creationId xmlns:a16="http://schemas.microsoft.com/office/drawing/2014/main" id="{AFD4A720-B87B-A40C-1A63-4775893254FA}"/>
+              </a:ext>
+            </a:extLst>
+          </p:cNvPr>
+          <p:cNvSpPr txBox="1"/>
+          <p:nvPr/>
+        </p:nvSpPr>
+        <p:spPr>
+          <a:xfrm>
+            <a:off x="3476625" y="219551"/>
+            <a:ext cx="5019675" cy="646331"/>
+          </a:xfrm>
+          <a:prstGeom prst="rect">
+            <a:avLst/>
+          </a:prstGeom>
+          <a:noFill/>
+        </p:spPr>
+        <p:txBody>
+          <a:bodyPr wrap="square">
+            <a:spAutoFit/>
+          </a:bodyPr>
+          <a:lstStyle/>
+          <a:p>
+            <a:pPr>
+              <a:defRPr/>
+            </a:pPr>
+            <a:r>
+              <a:rPr lang="en-US" sz="3600" dirty="0"/>
+              <a:t>Difficulties and solutions</a:t>
+            </a:r>
+          </a:p>
+        </p:txBody>
+      </p:sp>
+      <p:sp>
+        <p:nvSpPr>
+          <p:cNvPr id="4" name="TextBox 3">
+            <a:extLst>
+              <a:ext uri="{FF2B5EF4-FFF2-40B4-BE49-F238E27FC236}">
+                <a16:creationId xmlns:a16="http://schemas.microsoft.com/office/drawing/2014/main" id="{81AAC0FD-B1E3-DB6D-AE51-226C2A5C897C}"/>
+              </a:ext>
+            </a:extLst>
+          </p:cNvPr>
+          <p:cNvSpPr txBox="1"/>
+          <p:nvPr/>
+        </p:nvSpPr>
+        <p:spPr>
+          <a:xfrm>
+            <a:off x="180976" y="947201"/>
+            <a:ext cx="12011024" cy="4031873"/>
+          </a:xfrm>
+          <a:prstGeom prst="rect">
+            <a:avLst/>
+          </a:prstGeom>
+          <a:noFill/>
+        </p:spPr>
+        <p:txBody>
+          <a:bodyPr wrap="square" rtlCol="0">
+            <a:spAutoFit/>
+          </a:bodyPr>
+          <a:lstStyle/>
+          <a:p>
+            <a:pPr>
+              <a:defRPr/>
+            </a:pPr>
+            <a:r>
+              <a:rPr lang="en-US" sz="2400" b="1" dirty="0"/>
+              <a:t>Dual supplier input problem</a:t>
+            </a:r>
+            <a:endParaRPr lang="en-US" b="1" dirty="0"/>
+          </a:p>
+          <a:p>
+            <a:pPr>
+              <a:defRPr/>
+            </a:pPr>
+            <a:br>
+              <a:rPr lang="en-US" dirty="0"/>
+            </a:br>
+            <a:r>
+              <a:rPr lang="en-US" dirty="0"/>
+              <a:t>Introduction:</a:t>
+            </a:r>
+            <a:br>
+              <a:rPr lang="en-US" dirty="0"/>
+            </a:br>
+            <a:r>
+              <a:rPr lang="en-US" dirty="0"/>
+              <a:t>There are two ways to supply voltage to the microcontroller, through USB connection to a PC and through an external source.</a:t>
+            </a:r>
+          </a:p>
+          <a:p>
+            <a:pPr>
+              <a:defRPr/>
+            </a:pPr>
+            <a:r>
+              <a:rPr lang="en-US" dirty="0"/>
+              <a:t>We designed the PCB to support the voltage supply through the USB connection to a PC.</a:t>
+            </a:r>
+            <a:br>
+              <a:rPr lang="en-US" dirty="0"/>
+            </a:br>
+            <a:r>
+              <a:rPr lang="en-US" dirty="0"/>
+              <a:t>We mustn’t supply through USB connection to a PC and through and external source together, because we don’t want to cause short circuit between two suppliers.</a:t>
+            </a:r>
+            <a:br>
+              <a:rPr lang="en-US" dirty="0"/>
+            </a:br>
+            <a:r>
+              <a:rPr lang="en-US" dirty="0"/>
+              <a:t>We want to supply the microcontroller through an external source and not the USB connection although we need the USB to program the microcontroller.</a:t>
+            </a:r>
+          </a:p>
+          <a:p>
+            <a:pPr>
+              <a:defRPr/>
+            </a:pPr>
+            <a:endParaRPr lang="en-US" dirty="0"/>
+          </a:p>
+          <a:p>
+            <a:pPr>
+              <a:defRPr/>
+            </a:pPr>
+            <a:r>
+              <a:rPr lang="en-US" dirty="0">
+                <a:highlight>
+                  <a:srgbClr val="FFFF00"/>
+                </a:highlight>
+              </a:rPr>
+              <a:t>There is diode YURY  </a:t>
+            </a:r>
+            <a:r>
+              <a:rPr lang="en-US" dirty="0"/>
+              <a:t> so we disconnected the diode and soldered VDD and GND underneath the PCB between the DC input of the board to the DC input of the microcontroller, so the microcontroller will only receive voltage from the external power supply even while programming the microcontroller through USB.</a:t>
+            </a:r>
+          </a:p>
+          <a:p>
+            <a:pPr marL="457200" indent="-457200">
+              <a:buAutoNum type="arabicParenR"/>
+              <a:defRPr/>
+            </a:pPr>
+            <a:endParaRPr lang="en-US" sz="1600" dirty="0"/>
+          </a:p>
+        </p:txBody>
+      </p:sp>
+      <p:sp>
+        <p:nvSpPr>
+          <p:cNvPr id="5" name="TextBox 4">
+            <a:extLst>
+              <a:ext uri="{FF2B5EF4-FFF2-40B4-BE49-F238E27FC236}">
+                <a16:creationId xmlns:a16="http://schemas.microsoft.com/office/drawing/2014/main" id="{55F5EE80-0775-A71B-7680-63642D3D2426}"/>
+              </a:ext>
+            </a:extLst>
+          </p:cNvPr>
+          <p:cNvSpPr txBox="1"/>
+          <p:nvPr/>
+        </p:nvSpPr>
+        <p:spPr>
+          <a:xfrm>
+            <a:off x="90488" y="4876917"/>
+            <a:ext cx="12011024" cy="1846659"/>
+          </a:xfrm>
+          <a:prstGeom prst="rect">
+            <a:avLst/>
+          </a:prstGeom>
+          <a:noFill/>
+        </p:spPr>
+        <p:txBody>
+          <a:bodyPr wrap="square" rtlCol="0">
+            <a:spAutoFit/>
+          </a:bodyPr>
+          <a:lstStyle/>
+          <a:p>
+            <a:pPr>
+              <a:defRPr/>
+            </a:pPr>
+            <a:r>
+              <a:rPr lang="en-US" sz="2400" b="1" dirty="0"/>
+              <a:t>Override switch and spare bus.</a:t>
+            </a:r>
+            <a:endParaRPr lang="en-US" b="1" dirty="0"/>
+          </a:p>
+          <a:p>
+            <a:pPr>
+              <a:defRPr/>
+            </a:pPr>
+            <a:r>
+              <a:rPr lang="en-US" dirty="0"/>
+              <a:t>In the initial design of the PCB, we created a spare bus connection to the microcontroller GPIOs and DC input in case of possible changes.</a:t>
+            </a:r>
+          </a:p>
+          <a:p>
+            <a:pPr>
+              <a:defRPr/>
+            </a:pPr>
+            <a:r>
+              <a:rPr lang="en-US" dirty="0"/>
+              <a:t>After we designed and printed the PCB, we decided that another component is needed, a switch that can override the software and move the magnet on/off the sample. </a:t>
+            </a:r>
+            <a:br>
+              <a:rPr lang="en-US" dirty="0"/>
+            </a:br>
+            <a:r>
+              <a:rPr lang="en-US" dirty="0"/>
+              <a:t>We used the spare bus GPIO to integrate the override switch to the system.</a:t>
+            </a:r>
+            <a:endParaRPr lang="en-US" sz="1600" dirty="0"/>
+          </a:p>
+        </p:txBody>
+      </p:sp>
+    </p:spTree>
+    <p:extLst>
+      <p:ext uri="{BB962C8B-B14F-4D97-AF65-F5344CB8AC3E}">
+        <p14:creationId xmlns:p14="http://schemas.microsoft.com/office/powerpoint/2010/main" val="2079581846"/>
       </p:ext>
     </p:extLst>
   </p:cSld>

--- a/main/prs_2022-048p.pptx
+++ b/main/prs_2022-048p.pptx
@@ -5,17 +5,18 @@
     <p:sldMasterId id="2147483648" r:id="rId1"/>
   </p:sldMasterIdLst>
   <p:notesMasterIdLst>
-    <p:notesMasterId r:id="rId10"/>
+    <p:notesMasterId r:id="rId11"/>
   </p:notesMasterIdLst>
   <p:sldIdLst>
     <p:sldId id="256" r:id="rId2"/>
-    <p:sldId id="257" r:id="rId3"/>
-    <p:sldId id="258" r:id="rId4"/>
-    <p:sldId id="259" r:id="rId5"/>
-    <p:sldId id="261" r:id="rId6"/>
-    <p:sldId id="262" r:id="rId7"/>
-    <p:sldId id="263" r:id="rId8"/>
-    <p:sldId id="264" r:id="rId9"/>
+    <p:sldId id="258" r:id="rId3"/>
+    <p:sldId id="259" r:id="rId4"/>
+    <p:sldId id="261" r:id="rId5"/>
+    <p:sldId id="262" r:id="rId6"/>
+    <p:sldId id="263" r:id="rId7"/>
+    <p:sldId id="264" r:id="rId8"/>
+    <p:sldId id="266" r:id="rId9"/>
+    <p:sldId id="265" r:id="rId10"/>
   </p:sldIdLst>
   <p:sldSz cx="12192000" cy="6858000"/>
   <p:notesSz cx="6858000" cy="9144000"/>
@@ -3685,6 +3686,52 @@
           <a:chExt cx="0" cy="0"/>
         </a:xfrm>
       </p:grpSpPr>
+      <p:pic>
+        <p:nvPicPr>
+          <p:cNvPr id="29" name="Picture 10" descr="Blue Powerpoint Background Images – Browse 10,220 Stock Photos, Vectors,  and Video | Adobe Stock">
+            <a:extLst>
+              <a:ext uri="{FF2B5EF4-FFF2-40B4-BE49-F238E27FC236}">
+                <a16:creationId xmlns:a16="http://schemas.microsoft.com/office/drawing/2014/main" id="{E0C03D98-2346-231F-9537-74890DC4F251}"/>
+              </a:ext>
+            </a:extLst>
+          </p:cNvPr>
+          <p:cNvPicPr>
+            <a:picLocks noChangeAspect="1" noChangeArrowheads="1"/>
+          </p:cNvPicPr>
+          <p:nvPr/>
+        </p:nvPicPr>
+        <p:blipFill rotWithShape="1">
+          <a:blip r:embed="rId2">
+            <a:alphaModFix amt="35000"/>
+            <a:extLst>
+              <a:ext uri="{28A0092B-C50C-407E-A947-70E740481C1C}">
+                <a14:useLocalDpi xmlns:a14="http://schemas.microsoft.com/office/drawing/2010/main" val="0"/>
+              </a:ext>
+            </a:extLst>
+          </a:blip>
+          <a:srcRect r="11096" b="1"/>
+          <a:stretch/>
+        </p:blipFill>
+        <p:spPr bwMode="auto">
+          <a:xfrm>
+            <a:off x="20" y="1282"/>
+            <a:ext cx="12191980" cy="6856718"/>
+          </a:xfrm>
+          <a:prstGeom prst="rect">
+            <a:avLst/>
+          </a:prstGeom>
+          <a:noFill/>
+          <a:extLst>
+            <a:ext uri="{909E8E84-426E-40DD-AFC4-6F175D3DCCD1}">
+              <a14:hiddenFill xmlns:a14="http://schemas.microsoft.com/office/drawing/2010/main">
+                <a:solidFill>
+                  <a:srgbClr val="FFFFFF"/>
+                </a:solidFill>
+              </a14:hiddenFill>
+            </a:ext>
+          </a:extLst>
+        </p:spPr>
+      </p:pic>
       <p:sp>
         <p:nvSpPr>
           <p:cNvPr id="4" name="TextBox 3">
@@ -3699,8 +3746,8 @@
         </p:nvSpPr>
         <p:spPr>
           <a:xfrm>
-            <a:off x="1023457" y="985706"/>
-            <a:ext cx="7751427" cy="369332"/>
+            <a:off x="2705099" y="966864"/>
+            <a:ext cx="6232191" cy="1077218"/>
           </a:xfrm>
           <a:prstGeom prst="rect">
             <a:avLst/>
@@ -3715,8 +3762,15 @@
           <a:p>
             <a:pPr algn="ctr"/>
             <a:r>
-              <a:rPr lang="en-US"/>
-              <a:t>Computerized drive for permanent magnets in a spectroscopic setup</a:t>
+              <a:rPr lang="en-US" sz="3200" dirty="0"/>
+              <a:t>Computerized drive for permanent</a:t>
+            </a:r>
+          </a:p>
+          <a:p>
+            <a:pPr algn="ctr"/>
+            <a:r>
+              <a:rPr lang="en-US" sz="3200" dirty="0"/>
+              <a:t>magnets in a spectroscopic setup</a:t>
             </a:r>
           </a:p>
         </p:txBody>
@@ -3735,8 +3789,8 @@
         </p:nvSpPr>
         <p:spPr>
           <a:xfrm>
-            <a:off x="868430" y="2505670"/>
-            <a:ext cx="7751427" cy="1477328"/>
+            <a:off x="2705099" y="3009664"/>
+            <a:ext cx="6522970" cy="1938992"/>
           </a:xfrm>
           <a:prstGeom prst="rect">
             <a:avLst/>
@@ -3750,27 +3804,27 @@
           <a:lstStyle/>
           <a:p>
             <a:r>
-              <a:rPr lang="en-US" dirty="0"/>
+              <a:rPr lang="en-US" sz="2400" dirty="0"/>
               <a:t>Project number: p-2022-048</a:t>
             </a:r>
             <a:br>
-              <a:rPr lang="en-US" dirty="0"/>
+              <a:rPr lang="en-US" sz="2400" dirty="0"/>
             </a:br>
             <a:br>
-              <a:rPr lang="en-US" dirty="0"/>
+              <a:rPr lang="en-US" sz="2400" dirty="0"/>
             </a:br>
             <a:r>
-              <a:rPr lang="en-US" dirty="0"/>
+              <a:rPr lang="en-US" sz="2400" dirty="0"/>
               <a:t>Students' names: Raam Kavod, Eylon Kapel</a:t>
             </a:r>
             <a:br>
-              <a:rPr lang="en-US" dirty="0"/>
+              <a:rPr lang="en-US" sz="2400" dirty="0"/>
             </a:br>
             <a:br>
-              <a:rPr lang="en-US" dirty="0"/>
+              <a:rPr lang="en-US" sz="2400" dirty="0"/>
             </a:br>
             <a:r>
-              <a:rPr lang="en-US" dirty="0"/>
+              <a:rPr lang="en-US" sz="2400" dirty="0"/>
               <a:t>Advisor: Dr Ilan Shalish</a:t>
             </a:r>
           </a:p>
@@ -3792,17 +3846,6 @@
 <file path=ppt/slides/slide2.xml><?xml version="1.0" encoding="utf-8"?>
 <p:sld xmlns:a="http://schemas.openxmlformats.org/drawingml/2006/main" xmlns:r="http://schemas.openxmlformats.org/officeDocument/2006/relationships" xmlns:p="http://schemas.openxmlformats.org/presentationml/2006/main">
   <p:cSld>
-    <p:bg>
-      <p:bgPr>
-        <a:solidFill>
-          <a:schemeClr val="bg1">
-            <a:tint val="95000"/>
-            <a:satMod val="170000"/>
-          </a:schemeClr>
-        </a:solidFill>
-        <a:effectLst/>
-      </p:bgPr>
-    </p:bg>
     <p:spTree>
       <p:nvGrpSpPr>
         <p:cNvPr id="1" name=""/>
@@ -3817,387 +3860,203 @@
           <a:chExt cx="0" cy="0"/>
         </a:xfrm>
       </p:grpSpPr>
-      <p:sp>
-        <p:nvSpPr>
-          <p:cNvPr id="9" name="Freeform: Shape 8">
-            <a:extLst>
-              <a:ext uri="{FF2B5EF4-FFF2-40B4-BE49-F238E27FC236}">
-                <a16:creationId xmlns:a16="http://schemas.microsoft.com/office/drawing/2014/main" id="{66B332A4-D438-4773-A77F-5ED49A448D9D}"/>
-              </a:ext>
-              <a:ext uri="{C183D7F6-B498-43B3-948B-1728B52AA6E4}">
-                <adec:decorative xmlns:adec="http://schemas.microsoft.com/office/drawing/2017/decorative" val="1"/>
-              </a:ext>
-            </a:extLst>
-          </p:cNvPr>
-          <p:cNvSpPr>
-            <a:spLocks noGrp="1" noRot="1" noChangeAspect="1" noMove="1" noResize="1" noEditPoints="1" noAdjustHandles="1" noChangeArrowheads="1" noChangeShapeType="1" noTextEdit="1"/>
-          </p:cNvSpPr>
-          <p:nvPr>
-            <p:extLst>
-              <p:ext uri="{386F3935-93C4-4BCD-93E2-E3B085C9AB24}">
-                <p16:designElem xmlns:p16="http://schemas.microsoft.com/office/powerpoint/2015/main" val="1"/>
-              </p:ext>
-            </p:extLst>
-          </p:nvPr>
-        </p:nvSpPr>
-        <p:spPr>
+      <p:pic>
+        <p:nvPicPr>
+          <p:cNvPr id="7" name="Picture 10" descr="Blue Powerpoint Background Images – Browse 10,220 Stock Photos, Vectors,  and Video | Adobe Stock">
+            <a:extLst>
+              <a:ext uri="{FF2B5EF4-FFF2-40B4-BE49-F238E27FC236}">
+                <a16:creationId xmlns:a16="http://schemas.microsoft.com/office/drawing/2014/main" id="{70CBA303-C447-B49E-4AB2-61FD3EA1B86E}"/>
+              </a:ext>
+            </a:extLst>
+          </p:cNvPr>
+          <p:cNvPicPr>
+            <a:picLocks noChangeAspect="1" noChangeArrowheads="1"/>
+          </p:cNvPicPr>
+          <p:nvPr/>
+        </p:nvPicPr>
+        <p:blipFill rotWithShape="1">
+          <a:blip r:embed="rId2">
+            <a:alphaModFix amt="35000"/>
+            <a:extLst>
+              <a:ext uri="{28A0092B-C50C-407E-A947-70E740481C1C}">
+                <a14:useLocalDpi xmlns:a14="http://schemas.microsoft.com/office/drawing/2010/main" val="0"/>
+              </a:ext>
+            </a:extLst>
+          </a:blip>
+          <a:srcRect r="11096" b="1"/>
+          <a:stretch/>
+        </p:blipFill>
+        <p:spPr bwMode="auto">
           <a:xfrm>
-            <a:off x="1953768" y="0"/>
-            <a:ext cx="8284464" cy="6858000"/>
-          </a:xfrm>
-          <a:custGeom>
-            <a:avLst/>
-            <a:gdLst>
-              <a:gd name="connsiteX0" fmla="*/ 1818109 w 8284464"/>
-              <a:gd name="connsiteY0" fmla="*/ 0 h 6858000"/>
-              <a:gd name="connsiteX1" fmla="*/ 6466355 w 8284464"/>
-              <a:gd name="connsiteY1" fmla="*/ 0 h 6858000"/>
-              <a:gd name="connsiteX2" fmla="*/ 6620596 w 8284464"/>
-              <a:gd name="connsiteY2" fmla="*/ 109683 h 6858000"/>
-              <a:gd name="connsiteX3" fmla="*/ 8284464 w 8284464"/>
-              <a:gd name="connsiteY3" fmla="*/ 3429000 h 6858000"/>
-              <a:gd name="connsiteX4" fmla="*/ 6620596 w 8284464"/>
-              <a:gd name="connsiteY4" fmla="*/ 6748318 h 6858000"/>
-              <a:gd name="connsiteX5" fmla="*/ 6466355 w 8284464"/>
-              <a:gd name="connsiteY5" fmla="*/ 6858000 h 6858000"/>
-              <a:gd name="connsiteX6" fmla="*/ 1818109 w 8284464"/>
-              <a:gd name="connsiteY6" fmla="*/ 6858000 h 6858000"/>
-              <a:gd name="connsiteX7" fmla="*/ 1663869 w 8284464"/>
-              <a:gd name="connsiteY7" fmla="*/ 6748318 h 6858000"/>
-              <a:gd name="connsiteX8" fmla="*/ 0 w 8284464"/>
-              <a:gd name="connsiteY8" fmla="*/ 3429000 h 6858000"/>
-              <a:gd name="connsiteX9" fmla="*/ 1663869 w 8284464"/>
-              <a:gd name="connsiteY9" fmla="*/ 109683 h 6858000"/>
-            </a:gdLst>
-            <a:ahLst/>
-            <a:cxnLst>
-              <a:cxn ang="0">
-                <a:pos x="connsiteX0" y="connsiteY0"/>
-              </a:cxn>
-              <a:cxn ang="0">
-                <a:pos x="connsiteX1" y="connsiteY1"/>
-              </a:cxn>
-              <a:cxn ang="0">
-                <a:pos x="connsiteX2" y="connsiteY2"/>
-              </a:cxn>
-              <a:cxn ang="0">
-                <a:pos x="connsiteX3" y="connsiteY3"/>
-              </a:cxn>
-              <a:cxn ang="0">
-                <a:pos x="connsiteX4" y="connsiteY4"/>
-              </a:cxn>
-              <a:cxn ang="0">
-                <a:pos x="connsiteX5" y="connsiteY5"/>
-              </a:cxn>
-              <a:cxn ang="0">
-                <a:pos x="connsiteX6" y="connsiteY6"/>
-              </a:cxn>
-              <a:cxn ang="0">
-                <a:pos x="connsiteX7" y="connsiteY7"/>
-              </a:cxn>
-              <a:cxn ang="0">
-                <a:pos x="connsiteX8" y="connsiteY8"/>
-              </a:cxn>
-              <a:cxn ang="0">
-                <a:pos x="connsiteX9" y="connsiteY9"/>
-              </a:cxn>
-            </a:cxnLst>
-            <a:rect l="l" t="t" r="r" b="b"/>
-            <a:pathLst>
-              <a:path w="8284464" h="6858000">
-                <a:moveTo>
-                  <a:pt x="1818109" y="0"/>
-                </a:moveTo>
-                <a:lnTo>
-                  <a:pt x="6466355" y="0"/>
-                </a:lnTo>
-                <a:lnTo>
-                  <a:pt x="6620596" y="109683"/>
-                </a:lnTo>
-                <a:cubicBezTo>
-                  <a:pt x="7630666" y="865069"/>
-                  <a:pt x="8284464" y="2070683"/>
-                  <a:pt x="8284464" y="3429000"/>
-                </a:cubicBezTo>
-                <a:cubicBezTo>
-                  <a:pt x="8284464" y="4787317"/>
-                  <a:pt x="7630666" y="5992931"/>
-                  <a:pt x="6620596" y="6748318"/>
-                </a:cubicBezTo>
-                <a:lnTo>
-                  <a:pt x="6466355" y="6858000"/>
-                </a:lnTo>
-                <a:lnTo>
-                  <a:pt x="1818109" y="6858000"/>
-                </a:lnTo>
-                <a:lnTo>
-                  <a:pt x="1663869" y="6748318"/>
-                </a:lnTo>
-                <a:cubicBezTo>
-                  <a:pt x="653798" y="5992931"/>
-                  <a:pt x="0" y="4787317"/>
-                  <a:pt x="0" y="3429000"/>
-                </a:cubicBezTo>
-                <a:cubicBezTo>
-                  <a:pt x="0" y="2070683"/>
-                  <a:pt x="653798" y="865069"/>
-                  <a:pt x="1663869" y="109683"/>
-                </a:cubicBezTo>
-                <a:close/>
-              </a:path>
-            </a:pathLst>
-          </a:custGeom>
-          <a:solidFill>
-            <a:srgbClr val="FFFFFF">
-              <a:alpha val="80000"/>
-            </a:srgbClr>
-          </a:solidFill>
-          <a:ln>
-            <a:noFill/>
-          </a:ln>
-        </p:spPr>
-        <p:style>
-          <a:lnRef idx="2">
-            <a:schemeClr val="accent1">
-              <a:shade val="50000"/>
-            </a:schemeClr>
-          </a:lnRef>
-          <a:fillRef idx="1">
-            <a:schemeClr val="accent1"/>
-          </a:fillRef>
-          <a:effectRef idx="0">
-            <a:schemeClr val="accent1"/>
-          </a:effectRef>
-          <a:fontRef idx="minor">
-            <a:schemeClr val="lt1"/>
-          </a:fontRef>
-        </p:style>
-        <p:txBody>
-          <a:bodyPr wrap="square" rtlCol="0" anchor="ctr">
-            <a:noAutofit/>
-          </a:bodyPr>
-          <a:lstStyle/>
-          <a:p>
-            <a:pPr algn="ctr"/>
-            <a:endParaRPr lang="en-US"/>
-          </a:p>
-        </p:txBody>
-      </p:sp>
-      <p:sp>
-        <p:nvSpPr>
-          <p:cNvPr id="11" name="Freeform: Shape 10">
-            <a:extLst>
-              <a:ext uri="{FF2B5EF4-FFF2-40B4-BE49-F238E27FC236}">
-                <a16:creationId xmlns:a16="http://schemas.microsoft.com/office/drawing/2014/main" id="{DF9AD32D-FF05-44F4-BD4D-9CEE89B71EB9}"/>
-              </a:ext>
-              <a:ext uri="{C183D7F6-B498-43B3-948B-1728B52AA6E4}">
-                <adec:decorative xmlns:adec="http://schemas.microsoft.com/office/drawing/2017/decorative" val="1"/>
-              </a:ext>
-            </a:extLst>
-          </p:cNvPr>
-          <p:cNvSpPr>
-            <a:spLocks noGrp="1" noRot="1" noChangeAspect="1" noMove="1" noResize="1" noEditPoints="1" noAdjustHandles="1" noChangeArrowheads="1" noChangeShapeType="1" noTextEdit="1"/>
-          </p:cNvSpPr>
-          <p:nvPr>
-            <p:extLst>
-              <p:ext uri="{386F3935-93C4-4BCD-93E2-E3B085C9AB24}">
-                <p16:designElem xmlns:p16="http://schemas.microsoft.com/office/powerpoint/2015/main" val="1"/>
-              </p:ext>
-            </p:extLst>
-          </p:nvPr>
-        </p:nvSpPr>
-        <p:spPr>
-          <a:xfrm>
-            <a:off x="2118360" y="0"/>
-            <a:ext cx="7955280" cy="6858000"/>
-          </a:xfrm>
-          <a:custGeom>
-            <a:avLst/>
-            <a:gdLst>
-              <a:gd name="connsiteX0" fmla="*/ 1962423 w 7955280"/>
-              <a:gd name="connsiteY0" fmla="*/ 0 h 6858000"/>
-              <a:gd name="connsiteX1" fmla="*/ 5992858 w 7955280"/>
-              <a:gd name="connsiteY1" fmla="*/ 0 h 6858000"/>
-              <a:gd name="connsiteX2" fmla="*/ 6040191 w 7955280"/>
-              <a:gd name="connsiteY2" fmla="*/ 27216 h 6858000"/>
-              <a:gd name="connsiteX3" fmla="*/ 7955280 w 7955280"/>
-              <a:gd name="connsiteY3" fmla="*/ 3429000 h 6858000"/>
-              <a:gd name="connsiteX4" fmla="*/ 6040191 w 7955280"/>
-              <a:gd name="connsiteY4" fmla="*/ 6830784 h 6858000"/>
-              <a:gd name="connsiteX5" fmla="*/ 5992858 w 7955280"/>
-              <a:gd name="connsiteY5" fmla="*/ 6858000 h 6858000"/>
-              <a:gd name="connsiteX6" fmla="*/ 1962423 w 7955280"/>
-              <a:gd name="connsiteY6" fmla="*/ 6858000 h 6858000"/>
-              <a:gd name="connsiteX7" fmla="*/ 1915089 w 7955280"/>
-              <a:gd name="connsiteY7" fmla="*/ 6830784 h 6858000"/>
-              <a:gd name="connsiteX8" fmla="*/ 0 w 7955280"/>
-              <a:gd name="connsiteY8" fmla="*/ 3429000 h 6858000"/>
-              <a:gd name="connsiteX9" fmla="*/ 1915089 w 7955280"/>
-              <a:gd name="connsiteY9" fmla="*/ 27216 h 6858000"/>
-            </a:gdLst>
-            <a:ahLst/>
-            <a:cxnLst>
-              <a:cxn ang="0">
-                <a:pos x="connsiteX0" y="connsiteY0"/>
-              </a:cxn>
-              <a:cxn ang="0">
-                <a:pos x="connsiteX1" y="connsiteY1"/>
-              </a:cxn>
-              <a:cxn ang="0">
-                <a:pos x="connsiteX2" y="connsiteY2"/>
-              </a:cxn>
-              <a:cxn ang="0">
-                <a:pos x="connsiteX3" y="connsiteY3"/>
-              </a:cxn>
-              <a:cxn ang="0">
-                <a:pos x="connsiteX4" y="connsiteY4"/>
-              </a:cxn>
-              <a:cxn ang="0">
-                <a:pos x="connsiteX5" y="connsiteY5"/>
-              </a:cxn>
-              <a:cxn ang="0">
-                <a:pos x="connsiteX6" y="connsiteY6"/>
-              </a:cxn>
-              <a:cxn ang="0">
-                <a:pos x="connsiteX7" y="connsiteY7"/>
-              </a:cxn>
-              <a:cxn ang="0">
-                <a:pos x="connsiteX8" y="connsiteY8"/>
-              </a:cxn>
-              <a:cxn ang="0">
-                <a:pos x="connsiteX9" y="connsiteY9"/>
-              </a:cxn>
-            </a:cxnLst>
-            <a:rect l="l" t="t" r="r" b="b"/>
-            <a:pathLst>
-              <a:path w="7955280" h="6858000">
-                <a:moveTo>
-                  <a:pt x="1962423" y="0"/>
-                </a:moveTo>
-                <a:lnTo>
-                  <a:pt x="5992858" y="0"/>
-                </a:lnTo>
-                <a:lnTo>
-                  <a:pt x="6040191" y="27216"/>
-                </a:lnTo>
-                <a:cubicBezTo>
-                  <a:pt x="7188332" y="724844"/>
-                  <a:pt x="7955280" y="1987357"/>
-                  <a:pt x="7955280" y="3429000"/>
-                </a:cubicBezTo>
-                <a:cubicBezTo>
-                  <a:pt x="7955280" y="4870644"/>
-                  <a:pt x="7188332" y="6133157"/>
-                  <a:pt x="6040191" y="6830784"/>
-                </a:cubicBezTo>
-                <a:lnTo>
-                  <a:pt x="5992858" y="6858000"/>
-                </a:lnTo>
-                <a:lnTo>
-                  <a:pt x="1962423" y="6858000"/>
-                </a:lnTo>
-                <a:lnTo>
-                  <a:pt x="1915089" y="6830784"/>
-                </a:lnTo>
-                <a:cubicBezTo>
-                  <a:pt x="766948" y="6133157"/>
-                  <a:pt x="0" y="4870644"/>
-                  <a:pt x="0" y="3429000"/>
-                </a:cubicBezTo>
-                <a:cubicBezTo>
-                  <a:pt x="0" y="1987357"/>
-                  <a:pt x="766948" y="724844"/>
-                  <a:pt x="1915089" y="27216"/>
-                </a:cubicBezTo>
-                <a:close/>
-              </a:path>
-            </a:pathLst>
-          </a:custGeom>
-          <a:solidFill>
-            <a:schemeClr val="tx1"/>
-          </a:solidFill>
-          <a:ln>
-            <a:noFill/>
-          </a:ln>
-        </p:spPr>
-        <p:style>
-          <a:lnRef idx="2">
-            <a:schemeClr val="accent1">
-              <a:shade val="50000"/>
-            </a:schemeClr>
-          </a:lnRef>
-          <a:fillRef idx="1">
-            <a:schemeClr val="accent1"/>
-          </a:fillRef>
-          <a:effectRef idx="0">
-            <a:schemeClr val="accent1"/>
-          </a:effectRef>
-          <a:fontRef idx="minor">
-            <a:schemeClr val="lt1"/>
-          </a:fontRef>
-        </p:style>
-        <p:txBody>
-          <a:bodyPr wrap="square" rtlCol="0" anchor="ctr">
-            <a:noAutofit/>
-          </a:bodyPr>
-          <a:lstStyle/>
-          <a:p>
-            <a:pPr algn="ctr"/>
-            <a:endParaRPr lang="en-US"/>
-          </a:p>
-        </p:txBody>
-      </p:sp>
-      <p:sp>
-        <p:nvSpPr>
-          <p:cNvPr id="4" name="TextBox 3">
-            <a:extLst>
-              <a:ext uri="{FF2B5EF4-FFF2-40B4-BE49-F238E27FC236}">
-                <a16:creationId xmlns:a16="http://schemas.microsoft.com/office/drawing/2014/main" id="{014BB22E-2155-7691-49AD-BCC5FB18CFCB}"/>
-              </a:ext>
-            </a:extLst>
-          </p:cNvPr>
-          <p:cNvSpPr txBox="1"/>
-          <p:nvPr/>
-        </p:nvSpPr>
-        <p:spPr>
-          <a:xfrm>
-            <a:off x="2555631" y="1441938"/>
-            <a:ext cx="7080738" cy="3974124"/>
+            <a:off x="20" y="1282"/>
+            <a:ext cx="12191980" cy="6856718"/>
           </a:xfrm>
           <a:prstGeom prst="rect">
             <a:avLst/>
           </a:prstGeom>
+          <a:noFill/>
+          <a:extLst>
+            <a:ext uri="{909E8E84-426E-40DD-AFC4-6F175D3DCCD1}">
+              <a14:hiddenFill xmlns:a14="http://schemas.microsoft.com/office/drawing/2010/main">
+                <a:solidFill>
+                  <a:srgbClr val="FFFFFF"/>
+                </a:solidFill>
+              </a14:hiddenFill>
+            </a:ext>
+          </a:extLst>
         </p:spPr>
-        <p:txBody>
-          <a:bodyPr vert="horz" lIns="91440" tIns="45720" rIns="91440" bIns="45720" rtlCol="0" anchor="ctr">
-            <a:normAutofit/>
+      </p:pic>
+      <p:sp>
+        <p:nvSpPr>
+          <p:cNvPr id="4" name="TextBox 3">
+            <a:extLst>
+              <a:ext uri="{FF2B5EF4-FFF2-40B4-BE49-F238E27FC236}">
+                <a16:creationId xmlns:a16="http://schemas.microsoft.com/office/drawing/2014/main" id="{D8597975-56CF-5ADF-6016-B2A998E5D8EE}"/>
+              </a:ext>
+            </a:extLst>
+          </p:cNvPr>
+          <p:cNvSpPr txBox="1"/>
+          <p:nvPr/>
+        </p:nvSpPr>
+        <p:spPr>
+          <a:xfrm>
+            <a:off x="1895474" y="1637314"/>
+            <a:ext cx="9705975" cy="3416320"/>
+          </a:xfrm>
+          <a:prstGeom prst="rect">
+            <a:avLst/>
+          </a:prstGeom>
+          <a:noFill/>
+        </p:spPr>
+        <p:txBody>
+          <a:bodyPr wrap="square" rtlCol="0">
+            <a:spAutoFit/>
           </a:bodyPr>
           <a:lstStyle/>
           <a:p>
-            <a:pPr algn="ctr">
-              <a:lnSpc>
-                <a:spcPct val="90000"/>
-              </a:lnSpc>
-              <a:spcBef>
-                <a:spcPct val="0"/>
-              </a:spcBef>
-              <a:spcAft>
-                <a:spcPts val="600"/>
-              </a:spcAft>
+            <a:r>
+              <a:rPr lang="en-US" sz="2400" dirty="0">
+                <a:effectLst/>
+                <a:latin typeface="Times New Roman" panose="02020603050405020304" pitchFamily="18" charset="0"/>
+                <a:ea typeface="Calibri" panose="020F0502020204030204" pitchFamily="34" charset="0"/>
+              </a:rPr>
+              <a:t>In the future, we may not be able to solve any problem with Silicon, therefore there is motivation to research alternative materials, it requires </a:t>
+            </a:r>
+            <a:r>
+              <a:rPr lang="en-US" sz="2400" dirty="0">
+                <a:solidFill>
+                  <a:schemeClr val="tx1"/>
+                </a:solidFill>
+              </a:rPr>
+              <a:t>using a set-up that allows control over several</a:t>
+            </a:r>
+            <a:r>
+              <a:rPr lang="he-IL" sz="2400" dirty="0">
+                <a:solidFill>
+                  <a:schemeClr val="tx1"/>
+                </a:solidFill>
+              </a:rPr>
+              <a:t> </a:t>
+            </a:r>
+            <a:r>
+              <a:rPr lang="en-US" sz="2400" dirty="0">
+                <a:solidFill>
+                  <a:schemeClr val="tx1"/>
+                </a:solidFill>
+              </a:rPr>
+              <a:t>independent</a:t>
+            </a:r>
+            <a:r>
+              <a:rPr lang="he-IL" sz="2400" dirty="0">
+                <a:solidFill>
+                  <a:schemeClr val="tx1"/>
+                </a:solidFill>
+              </a:rPr>
+              <a:t> </a:t>
+            </a:r>
+            <a:r>
+              <a:rPr lang="en-US" sz="2400" dirty="0">
+                <a:solidFill>
+                  <a:schemeClr val="tx1"/>
+                </a:solidFill>
+              </a:rPr>
+              <a:t>variables, including an on-off control over a magnetic field.</a:t>
+            </a:r>
+            <a:endParaRPr lang="en-US" sz="2400" dirty="0">
+              <a:effectLst/>
+              <a:latin typeface="Times New Roman" panose="02020603050405020304" pitchFamily="18" charset="0"/>
+              <a:ea typeface="Calibri" panose="020F0502020204030204" pitchFamily="34" charset="0"/>
+            </a:endParaRPr>
+          </a:p>
+          <a:p>
+            <a:endParaRPr lang="en-US" sz="2400" dirty="0">
+              <a:latin typeface="Times New Roman" panose="02020603050405020304" pitchFamily="18" charset="0"/>
+              <a:ea typeface="Calibri" panose="020F0502020204030204" pitchFamily="34" charset="0"/>
+            </a:endParaRPr>
+          </a:p>
+          <a:p>
+            <a:r>
+              <a:rPr lang="en-US" sz="2400" dirty="0">
+                <a:latin typeface="Times New Roman" panose="02020603050405020304" pitchFamily="18" charset="0"/>
+                <a:ea typeface="Calibri" panose="020F0502020204030204" pitchFamily="34" charset="0"/>
+              </a:rPr>
+              <a:t>Goal: </a:t>
+            </a:r>
+          </a:p>
+          <a:p>
+            <a:r>
+              <a:rPr lang="en-US" sz="2400" dirty="0">
+                <a:effectLst/>
+                <a:latin typeface="Times New Roman" panose="02020603050405020304" pitchFamily="18" charset="0"/>
+                <a:ea typeface="Calibri" panose="020F0502020204030204" pitchFamily="34" charset="0"/>
+              </a:rPr>
+              <a:t>The purpose of this project is to enable computerized control of such measurement conditions.</a:t>
+            </a:r>
+            <a:br>
+              <a:rPr lang="en-US" sz="2400" dirty="0">
+                <a:effectLst/>
+                <a:latin typeface="Times New Roman" panose="02020603050405020304" pitchFamily="18" charset="0"/>
+                <a:ea typeface="Calibri" panose="020F0502020204030204" pitchFamily="34" charset="0"/>
+              </a:rPr>
+            </a:br>
+            <a:endParaRPr lang="en-US" sz="2400" dirty="0"/>
+          </a:p>
+        </p:txBody>
+      </p:sp>
+      <p:sp>
+        <p:nvSpPr>
+          <p:cNvPr id="9" name="TextBox 8">
+            <a:extLst>
+              <a:ext uri="{FF2B5EF4-FFF2-40B4-BE49-F238E27FC236}">
+                <a16:creationId xmlns:a16="http://schemas.microsoft.com/office/drawing/2014/main" id="{703F3342-F8FC-4ED0-CF7C-00D824A3EDEE}"/>
+              </a:ext>
+            </a:extLst>
+          </p:cNvPr>
+          <p:cNvSpPr txBox="1"/>
+          <p:nvPr/>
+        </p:nvSpPr>
+        <p:spPr>
+          <a:xfrm>
+            <a:off x="2680714" y="295751"/>
+            <a:ext cx="2506221" cy="646331"/>
+          </a:xfrm>
+          <a:prstGeom prst="rect">
+            <a:avLst/>
+          </a:prstGeom>
+          <a:noFill/>
+        </p:spPr>
+        <p:txBody>
+          <a:bodyPr wrap="square">
+            <a:spAutoFit/>
+          </a:bodyPr>
+          <a:lstStyle/>
+          <a:p>
+            <a:pPr>
+              <a:defRPr/>
             </a:pPr>
             <a:r>
-              <a:rPr lang="en-US" sz="5400" b="1">
-                <a:solidFill>
-                  <a:schemeClr val="bg1">
-                    <a:lumMod val="95000"/>
-                    <a:lumOff val="5000"/>
-                  </a:schemeClr>
-                </a:solidFill>
-                <a:latin typeface="+mj-lt"/>
-                <a:ea typeface="+mj-ea"/>
-                <a:cs typeface="+mj-cs"/>
-              </a:rPr>
-              <a:t>PUT A VIDEO HERE</a:t>
+              <a:rPr lang="en-US" sz="3600" dirty="0"/>
+              <a:t>Introduction</a:t>
             </a:r>
           </a:p>
         </p:txBody>
@@ -4205,12 +4064,12 @@
     </p:spTree>
     <p:extLst>
       <p:ext uri="{BB962C8B-B14F-4D97-AF65-F5344CB8AC3E}">
-        <p14:creationId xmlns:p14="http://schemas.microsoft.com/office/powerpoint/2010/main" val="3819966028"/>
+        <p14:creationId xmlns:p14="http://schemas.microsoft.com/office/powerpoint/2010/main" val="1774291694"/>
       </p:ext>
     </p:extLst>
   </p:cSld>
   <p:clrMapOvr>
-    <a:overrideClrMapping bg1="dk1" tx1="lt1" bg2="dk2" tx2="lt2" accent1="accent1" accent2="accent2" accent3="accent3" accent4="accent4" accent5="accent5" accent6="accent6" hlink="hlink" folHlink="folHlink"/>
+    <a:masterClrMapping/>
   </p:clrMapOvr>
 </p:sld>
 </file>
@@ -4232,12 +4091,58 @@
           <a:chExt cx="0" cy="0"/>
         </a:xfrm>
       </p:grpSpPr>
-      <p:sp>
-        <p:nvSpPr>
-          <p:cNvPr id="4" name="TextBox 3">
-            <a:extLst>
-              <a:ext uri="{FF2B5EF4-FFF2-40B4-BE49-F238E27FC236}">
-                <a16:creationId xmlns:a16="http://schemas.microsoft.com/office/drawing/2014/main" id="{D8597975-56CF-5ADF-6016-B2A998E5D8EE}"/>
+      <p:pic>
+        <p:nvPicPr>
+          <p:cNvPr id="5" name="Picture 10" descr="Blue Powerpoint Background Images – Browse 10,220 Stock Photos, Vectors,  and Video | Adobe Stock">
+            <a:extLst>
+              <a:ext uri="{FF2B5EF4-FFF2-40B4-BE49-F238E27FC236}">
+                <a16:creationId xmlns:a16="http://schemas.microsoft.com/office/drawing/2014/main" id="{DB62C893-CB2F-DB57-8C74-10C1CBE55537}"/>
+              </a:ext>
+            </a:extLst>
+          </p:cNvPr>
+          <p:cNvPicPr>
+            <a:picLocks noChangeAspect="1" noChangeArrowheads="1"/>
+          </p:cNvPicPr>
+          <p:nvPr/>
+        </p:nvPicPr>
+        <p:blipFill rotWithShape="1">
+          <a:blip r:embed="rId2">
+            <a:alphaModFix amt="35000"/>
+            <a:extLst>
+              <a:ext uri="{28A0092B-C50C-407E-A947-70E740481C1C}">
+                <a14:useLocalDpi xmlns:a14="http://schemas.microsoft.com/office/drawing/2010/main" val="0"/>
+              </a:ext>
+            </a:extLst>
+          </a:blip>
+          <a:srcRect r="11096" b="1"/>
+          <a:stretch/>
+        </p:blipFill>
+        <p:spPr bwMode="auto">
+          <a:xfrm>
+            <a:off x="20" y="1282"/>
+            <a:ext cx="12191980" cy="6856718"/>
+          </a:xfrm>
+          <a:prstGeom prst="rect">
+            <a:avLst/>
+          </a:prstGeom>
+          <a:noFill/>
+          <a:extLst>
+            <a:ext uri="{909E8E84-426E-40DD-AFC4-6F175D3DCCD1}">
+              <a14:hiddenFill xmlns:a14="http://schemas.microsoft.com/office/drawing/2010/main">
+                <a:solidFill>
+                  <a:srgbClr val="FFFFFF"/>
+                </a:solidFill>
+              </a14:hiddenFill>
+            </a:ext>
+          </a:extLst>
+        </p:spPr>
+      </p:pic>
+      <p:sp>
+        <p:nvSpPr>
+          <p:cNvPr id="2" name="TextBox 1">
+            <a:extLst>
+              <a:ext uri="{FF2B5EF4-FFF2-40B4-BE49-F238E27FC236}">
+                <a16:creationId xmlns:a16="http://schemas.microsoft.com/office/drawing/2014/main" id="{50B4D1D3-964D-B5AA-16E3-48A00E14E165}"/>
               </a:ext>
             </a:extLst>
           </p:cNvPr>
@@ -4246,8 +4151,8 @@
         </p:nvSpPr>
         <p:spPr>
           <a:xfrm>
-            <a:off x="662152" y="1513489"/>
-            <a:ext cx="6321972" cy="3139321"/>
+            <a:off x="334491" y="1804958"/>
+            <a:ext cx="5771057" cy="3416320"/>
           </a:xfrm>
           <a:prstGeom prst="rect">
             <a:avLst/>
@@ -4261,104 +4166,123 @@
           <a:lstStyle/>
           <a:p>
             <a:r>
-              <a:rPr lang="en-US" dirty="0"/>
-              <a:t>Introduction:</a:t>
-            </a:r>
-          </a:p>
-          <a:p>
-            <a:r>
-              <a:rPr lang="en-US" sz="1800" dirty="0">
-                <a:effectLst/>
-                <a:latin typeface="Times New Roman" panose="02020603050405020304" pitchFamily="18" charset="0"/>
-                <a:ea typeface="Calibri" panose="020F0502020204030204" pitchFamily="34" charset="0"/>
-              </a:rPr>
-              <a:t>In the future, we may not be able to solve any problem with Silicon, therefore there is motivation to research alternative materials, it requires </a:t>
-            </a:r>
-            <a:r>
-              <a:rPr lang="en-US" sz="1800" dirty="0">
-                <a:solidFill>
-                  <a:schemeClr val="tx1"/>
-                </a:solidFill>
-              </a:rPr>
-              <a:t>using a set-up that allows control over several</a:t>
-            </a:r>
-            <a:r>
-              <a:rPr lang="he-IL" sz="1800" dirty="0">
-                <a:solidFill>
-                  <a:schemeClr val="tx1"/>
-                </a:solidFill>
-              </a:rPr>
-              <a:t> </a:t>
-            </a:r>
-            <a:r>
-              <a:rPr lang="en-US" sz="1800" dirty="0">
-                <a:solidFill>
-                  <a:schemeClr val="tx1"/>
-                </a:solidFill>
-              </a:rPr>
-              <a:t>independent</a:t>
-            </a:r>
-            <a:r>
-              <a:rPr lang="he-IL" sz="1800" dirty="0">
-                <a:solidFill>
-                  <a:schemeClr val="tx1"/>
-                </a:solidFill>
-              </a:rPr>
-              <a:t> </a:t>
-            </a:r>
-            <a:r>
-              <a:rPr lang="en-US" sz="1800" dirty="0">
-                <a:solidFill>
-                  <a:schemeClr val="tx1"/>
-                </a:solidFill>
-              </a:rPr>
-              <a:t>variables, including an on-off control over a magnetic field.</a:t>
-            </a:r>
-            <a:endParaRPr lang="en-US" sz="1800" dirty="0">
-              <a:effectLst/>
-              <a:latin typeface="Times New Roman" panose="02020603050405020304" pitchFamily="18" charset="0"/>
-              <a:ea typeface="Calibri" panose="020F0502020204030204" pitchFamily="34" charset="0"/>
-            </a:endParaRPr>
-          </a:p>
-          <a:p>
-            <a:endParaRPr lang="en-US" dirty="0">
-              <a:latin typeface="Times New Roman" panose="02020603050405020304" pitchFamily="18" charset="0"/>
-              <a:ea typeface="Calibri" panose="020F0502020204030204" pitchFamily="34" charset="0"/>
-            </a:endParaRPr>
-          </a:p>
-          <a:p>
-            <a:r>
-              <a:rPr lang="en-US" dirty="0">
-                <a:latin typeface="Times New Roman" panose="02020603050405020304" pitchFamily="18" charset="0"/>
-                <a:ea typeface="Calibri" panose="020F0502020204030204" pitchFamily="34" charset="0"/>
-              </a:rPr>
-              <a:t>Goal: </a:t>
-            </a:r>
-          </a:p>
-          <a:p>
-            <a:r>
-              <a:rPr lang="en-US" sz="1800" dirty="0">
-                <a:effectLst/>
-                <a:latin typeface="Times New Roman" panose="02020603050405020304" pitchFamily="18" charset="0"/>
-                <a:ea typeface="Calibri" panose="020F0502020204030204" pitchFamily="34" charset="0"/>
-              </a:rPr>
-              <a:t>The purpose of this project is to enable computerized control of such measurement conditions.</a:t>
-            </a:r>
-            <a:br>
-              <a:rPr lang="en-US" sz="1800" dirty="0">
-                <a:effectLst/>
-                <a:latin typeface="Times New Roman" panose="02020603050405020304" pitchFamily="18" charset="0"/>
-                <a:ea typeface="Calibri" panose="020F0502020204030204" pitchFamily="34" charset="0"/>
-              </a:rPr>
-            </a:br>
-            <a:endParaRPr lang="en-US" dirty="0"/>
-          </a:p>
-        </p:txBody>
-      </p:sp>
+              <a:rPr lang="en-US" sz="2400" dirty="0"/>
+              <a:t>Moving a magnet between two locations over a conveyor belt which affects the magnetic field’s strength: </a:t>
+            </a:r>
+          </a:p>
+          <a:p>
+            <a:pPr marL="742950" lvl="1" indent="-285750">
+              <a:buFont typeface="Arial" panose="020B0604020202020204" pitchFamily="34" charset="0"/>
+              <a:buChar char="•"/>
+            </a:pPr>
+            <a:r>
+              <a:rPr lang="en-US" sz="2400" dirty="0"/>
+              <a:t>Several modes to control the movement</a:t>
+            </a:r>
+          </a:p>
+          <a:p>
+            <a:pPr marL="1200150" lvl="2" indent="-285750">
+              <a:buFont typeface="Arial" panose="020B0604020202020204" pitchFamily="34" charset="0"/>
+              <a:buChar char="•"/>
+            </a:pPr>
+            <a:r>
+              <a:rPr lang="en-US" sz="2400" dirty="0"/>
+              <a:t>Controlled by a remote software</a:t>
+            </a:r>
+          </a:p>
+          <a:p>
+            <a:pPr marL="1200150" lvl="2" indent="-285750">
+              <a:buFont typeface="Arial" panose="020B0604020202020204" pitchFamily="34" charset="0"/>
+              <a:buChar char="•"/>
+            </a:pPr>
+            <a:r>
+              <a:rPr lang="en-US" sz="2400" dirty="0"/>
+              <a:t>Controlled by the user moving a switch</a:t>
+            </a:r>
+          </a:p>
+          <a:p>
+            <a:pPr marL="742950" lvl="1" indent="-285750">
+              <a:buFont typeface="Arial" panose="020B0604020202020204" pitchFamily="34" charset="0"/>
+              <a:buChar char="•"/>
+            </a:pPr>
+            <a:r>
+              <a:rPr lang="en-US" sz="2400" dirty="0"/>
+              <a:t>Design and implement a robust system</a:t>
+            </a:r>
+          </a:p>
+        </p:txBody>
+      </p:sp>
+      <p:sp>
+        <p:nvSpPr>
+          <p:cNvPr id="6" name="TextBox 5">
+            <a:extLst>
+              <a:ext uri="{FF2B5EF4-FFF2-40B4-BE49-F238E27FC236}">
+                <a16:creationId xmlns:a16="http://schemas.microsoft.com/office/drawing/2014/main" id="{A067729A-CE81-E48C-FFD9-323155022EB2}"/>
+              </a:ext>
+            </a:extLst>
+          </p:cNvPr>
+          <p:cNvSpPr txBox="1"/>
+          <p:nvPr/>
+        </p:nvSpPr>
+        <p:spPr>
+          <a:xfrm>
+            <a:off x="2705101" y="256746"/>
+            <a:ext cx="4120158" cy="646331"/>
+          </a:xfrm>
+          <a:prstGeom prst="rect">
+            <a:avLst/>
+          </a:prstGeom>
+          <a:noFill/>
+        </p:spPr>
+        <p:txBody>
+          <a:bodyPr wrap="square">
+            <a:spAutoFit/>
+          </a:bodyPr>
+          <a:lstStyle/>
+          <a:p>
+            <a:pPr>
+              <a:defRPr/>
+            </a:pPr>
+            <a:r>
+              <a:rPr lang="en-US" sz="3600" dirty="0"/>
+              <a:t>Technical objectives</a:t>
+            </a:r>
+          </a:p>
+        </p:txBody>
+      </p:sp>
+      <p:pic>
+        <p:nvPicPr>
+          <p:cNvPr id="7" name="Picture 6">
+            <a:extLst>
+              <a:ext uri="{FF2B5EF4-FFF2-40B4-BE49-F238E27FC236}">
+                <a16:creationId xmlns:a16="http://schemas.microsoft.com/office/drawing/2014/main" id="{312A1EB6-11CB-7C26-FA5E-948E203CFED3}"/>
+              </a:ext>
+            </a:extLst>
+          </p:cNvPr>
+          <p:cNvPicPr>
+            <a:picLocks noChangeAspect="1"/>
+          </p:cNvPicPr>
+          <p:nvPr/>
+        </p:nvPicPr>
+        <p:blipFill rotWithShape="1">
+          <a:blip r:embed="rId3"/>
+          <a:srcRect r="4462" b="1070"/>
+          <a:stretch/>
+        </p:blipFill>
+        <p:spPr>
+          <a:xfrm>
+            <a:off x="6553868" y="1158541"/>
+            <a:ext cx="5638112" cy="5698177"/>
+          </a:xfrm>
+          <a:prstGeom prst="rect">
+            <a:avLst/>
+          </a:prstGeom>
+        </p:spPr>
+      </p:pic>
     </p:spTree>
     <p:extLst>
       <p:ext uri="{BB962C8B-B14F-4D97-AF65-F5344CB8AC3E}">
-        <p14:creationId xmlns:p14="http://schemas.microsoft.com/office/powerpoint/2010/main" val="1774291694"/>
+        <p14:creationId xmlns:p14="http://schemas.microsoft.com/office/powerpoint/2010/main" val="1305491175"/>
       </p:ext>
     </p:extLst>
   </p:cSld>
@@ -4387,166 +4311,50 @@
       </p:grpSpPr>
       <p:pic>
         <p:nvPicPr>
-          <p:cNvPr id="4" name="Picture 3">
-            <a:extLst>
-              <a:ext uri="{FF2B5EF4-FFF2-40B4-BE49-F238E27FC236}">
-                <a16:creationId xmlns:a16="http://schemas.microsoft.com/office/drawing/2014/main" id="{B005A147-746D-3882-4C7E-41717D8CF6BB}"/>
+          <p:cNvPr id="24" name="Picture 10" descr="Blue Powerpoint Background Images – Browse 10,220 Stock Photos, Vectors,  and Video | Adobe Stock">
+            <a:extLst>
+              <a:ext uri="{FF2B5EF4-FFF2-40B4-BE49-F238E27FC236}">
+                <a16:creationId xmlns:a16="http://schemas.microsoft.com/office/drawing/2014/main" id="{643CEBCE-3C78-C1C5-3EC4-AE0EAD4834C0}"/>
               </a:ext>
             </a:extLst>
           </p:cNvPr>
           <p:cNvPicPr>
-            <a:picLocks noChangeAspect="1"/>
+            <a:picLocks noChangeAspect="1" noChangeArrowheads="1"/>
           </p:cNvPicPr>
           <p:nvPr/>
         </p:nvPicPr>
-        <p:blipFill>
-          <a:blip r:embed="rId2"/>
-          <a:stretch>
-            <a:fillRect/>
-          </a:stretch>
+        <p:blipFill rotWithShape="1">
+          <a:blip r:embed="rId2">
+            <a:alphaModFix amt="35000"/>
+            <a:extLst>
+              <a:ext uri="{28A0092B-C50C-407E-A947-70E740481C1C}">
+                <a14:useLocalDpi xmlns:a14="http://schemas.microsoft.com/office/drawing/2010/main" val="0"/>
+              </a:ext>
+            </a:extLst>
+          </a:blip>
+          <a:srcRect r="11096" b="1"/>
+          <a:stretch/>
         </p:blipFill>
-        <p:spPr>
+        <p:spPr bwMode="auto">
           <a:xfrm>
-            <a:off x="6196105" y="464497"/>
-            <a:ext cx="6086452" cy="5698178"/>
-          </a:xfrm>
-          <a:prstGeom prst="rect">
-            <a:avLst/>
-          </a:prstGeom>
-        </p:spPr>
-      </p:pic>
-      <p:sp>
-        <p:nvSpPr>
-          <p:cNvPr id="2" name="TextBox 1">
-            <a:extLst>
-              <a:ext uri="{FF2B5EF4-FFF2-40B4-BE49-F238E27FC236}">
-                <a16:creationId xmlns:a16="http://schemas.microsoft.com/office/drawing/2014/main" id="{50B4D1D3-964D-B5AA-16E3-48A00E14E165}"/>
-              </a:ext>
-            </a:extLst>
-          </p:cNvPr>
-          <p:cNvSpPr txBox="1"/>
-          <p:nvPr/>
-        </p:nvSpPr>
-        <p:spPr>
-          <a:xfrm>
-            <a:off x="430594" y="518160"/>
-            <a:ext cx="5771057" cy="4893647"/>
+            <a:off x="20" y="1282"/>
+            <a:ext cx="12191980" cy="6856718"/>
           </a:xfrm>
           <a:prstGeom prst="rect">
             <a:avLst/>
           </a:prstGeom>
           <a:noFill/>
+          <a:extLst>
+            <a:ext uri="{909E8E84-426E-40DD-AFC4-6F175D3DCCD1}">
+              <a14:hiddenFill xmlns:a14="http://schemas.microsoft.com/office/drawing/2010/main">
+                <a:solidFill>
+                  <a:srgbClr val="FFFFFF"/>
+                </a:solidFill>
+              </a14:hiddenFill>
+            </a:ext>
+          </a:extLst>
         </p:spPr>
-        <p:txBody>
-          <a:bodyPr wrap="square" rtlCol="0">
-            <a:spAutoFit/>
-          </a:bodyPr>
-          <a:lstStyle/>
-          <a:p>
-            <a:pPr>
-              <a:defRPr/>
-            </a:pPr>
-            <a:r>
-              <a:rPr lang="en-US" sz="2400" dirty="0"/>
-              <a:t>Technical objectives: </a:t>
-            </a:r>
-          </a:p>
-          <a:p>
-            <a:pPr>
-              <a:defRPr/>
-            </a:pPr>
-            <a:endParaRPr lang="en-US" sz="2400" dirty="0"/>
-          </a:p>
-          <a:p>
-            <a:pPr>
-              <a:defRPr/>
-            </a:pPr>
-            <a:endParaRPr lang="en-US" sz="2400" dirty="0"/>
-          </a:p>
-          <a:p>
-            <a:pPr>
-              <a:defRPr/>
-            </a:pPr>
-            <a:endParaRPr lang="en-US" sz="2400" dirty="0"/>
-          </a:p>
-          <a:p>
-            <a:r>
-              <a:rPr lang="en-US" sz="2400" dirty="0"/>
-              <a:t>Moving a magnet between two locations over a conveyor belt which affects the magnetic field’s strength: </a:t>
-            </a:r>
-          </a:p>
-          <a:p>
-            <a:pPr marL="742950" lvl="1" indent="-285750">
-              <a:buFont typeface="Arial" panose="020B0604020202020204" pitchFamily="34" charset="0"/>
-              <a:buChar char="•"/>
-            </a:pPr>
-            <a:r>
-              <a:rPr lang="en-US" sz="2400" dirty="0"/>
-              <a:t>Several modes to control the movement</a:t>
-            </a:r>
-          </a:p>
-          <a:p>
-            <a:pPr marL="1200150" lvl="2" indent="-285750">
-              <a:buFont typeface="Arial" panose="020B0604020202020204" pitchFamily="34" charset="0"/>
-              <a:buChar char="•"/>
-            </a:pPr>
-            <a:r>
-              <a:rPr lang="en-US" sz="2400" dirty="0"/>
-              <a:t>Controlled by a remote software</a:t>
-            </a:r>
-          </a:p>
-          <a:p>
-            <a:pPr marL="1200150" lvl="2" indent="-285750">
-              <a:buFont typeface="Arial" panose="020B0604020202020204" pitchFamily="34" charset="0"/>
-              <a:buChar char="•"/>
-            </a:pPr>
-            <a:r>
-              <a:rPr lang="en-US" sz="2400" dirty="0"/>
-              <a:t>Controlled by the user moving a switch</a:t>
-            </a:r>
-          </a:p>
-          <a:p>
-            <a:pPr marL="742950" lvl="1" indent="-285750">
-              <a:buFont typeface="Arial" panose="020B0604020202020204" pitchFamily="34" charset="0"/>
-              <a:buChar char="•"/>
-            </a:pPr>
-            <a:r>
-              <a:rPr lang="en-US" sz="2400" dirty="0"/>
-              <a:t>Design and implement a robust system</a:t>
-            </a:r>
-          </a:p>
-        </p:txBody>
-      </p:sp>
-    </p:spTree>
-    <p:extLst>
-      <p:ext uri="{BB962C8B-B14F-4D97-AF65-F5344CB8AC3E}">
-        <p14:creationId xmlns:p14="http://schemas.microsoft.com/office/powerpoint/2010/main" val="1305491175"/>
-      </p:ext>
-    </p:extLst>
-  </p:cSld>
-  <p:clrMapOvr>
-    <a:masterClrMapping/>
-  </p:clrMapOvr>
-</p:sld>
-</file>
-
-<file path=ppt/slides/slide5.xml><?xml version="1.0" encoding="utf-8"?>
-<p:sld xmlns:a="http://schemas.openxmlformats.org/drawingml/2006/main" xmlns:r="http://schemas.openxmlformats.org/officeDocument/2006/relationships" xmlns:p="http://schemas.openxmlformats.org/presentationml/2006/main">
-  <p:cSld>
-    <p:spTree>
-      <p:nvGrpSpPr>
-        <p:cNvPr id="1" name=""/>
-        <p:cNvGrpSpPr/>
-        <p:nvPr/>
-      </p:nvGrpSpPr>
-      <p:grpSpPr>
-        <a:xfrm>
-          <a:off x="0" y="0"/>
-          <a:ext cx="0" cy="0"/>
-          <a:chOff x="0" y="0"/>
-          <a:chExt cx="0" cy="0"/>
-        </a:xfrm>
-      </p:grpSpPr>
+      </p:pic>
       <p:grpSp>
         <p:nvGrpSpPr>
           <p:cNvPr id="23" name="Group 22">
@@ -4561,10 +4369,10 @@
         </p:nvGrpSpPr>
         <p:grpSpPr>
           <a:xfrm>
-            <a:off x="352425" y="1299626"/>
-            <a:ext cx="4695826" cy="5201424"/>
-            <a:chOff x="352425" y="1356776"/>
-            <a:chExt cx="4695826" cy="5201424"/>
+            <a:off x="233143" y="875883"/>
+            <a:ext cx="5160219" cy="5847755"/>
+            <a:chOff x="360607" y="300050"/>
+            <a:chExt cx="5160219" cy="5847755"/>
           </a:xfrm>
         </p:grpSpPr>
         <p:sp>
@@ -4581,8 +4389,8 @@
           </p:nvSpPr>
           <p:spPr>
             <a:xfrm>
-              <a:off x="352425" y="1356776"/>
-              <a:ext cx="4695826" cy="5201424"/>
+              <a:off x="360607" y="300050"/>
+              <a:ext cx="5160219" cy="5847755"/>
             </a:xfrm>
             <a:prstGeom prst="rect">
               <a:avLst/>
@@ -4614,7 +4422,7 @@
                 <a:defRPr/>
               </a:pPr>
               <a:r>
-                <a:rPr lang="en-US" sz="1400" dirty="0"/>
+                <a:rPr lang="en-US" sz="1600" dirty="0"/>
                 <a:t>A system which is built from multiple electrical components</a:t>
               </a:r>
             </a:p>
@@ -4623,7 +4431,7 @@
                 <a:buAutoNum type="arabicParenR"/>
                 <a:defRPr/>
               </a:pPr>
-              <a:endParaRPr lang="en-US" sz="1400" dirty="0"/>
+              <a:endParaRPr lang="en-US" sz="1600" dirty="0"/>
             </a:p>
             <a:p>
               <a:pPr marL="457200" indent="-457200">
@@ -4631,17 +4439,17 @@
                 <a:defRPr/>
               </a:pPr>
               <a:r>
-                <a:rPr lang="en-US" sz="1400" u="sng" dirty="0"/>
+                <a:rPr lang="en-US" sz="1600" u="sng" dirty="0"/>
                 <a:t>Stepper Motor</a:t>
               </a:r>
               <a:r>
-                <a:rPr lang="en-US" sz="1400" dirty="0"/>
+                <a:rPr lang="en-US" sz="1600" dirty="0"/>
                 <a:t> – A device which converts electrical signals to mechanical movements.</a:t>
               </a:r>
               <a:br>
-                <a:rPr lang="en-US" sz="1400" dirty="0"/>
+                <a:rPr lang="en-US" sz="1600" dirty="0"/>
               </a:br>
-              <a:endParaRPr lang="en-US" sz="1400" dirty="0"/>
+              <a:endParaRPr lang="en-US" sz="1600" dirty="0"/>
             </a:p>
             <a:p>
               <a:pPr marL="457200" indent="-457200">
@@ -4649,17 +4457,24 @@
                 <a:defRPr/>
               </a:pPr>
               <a:r>
-                <a:rPr lang="en-US" sz="1400" u="sng" dirty="0"/>
+                <a:rPr lang="en-US" sz="1600" u="sng" dirty="0"/>
                 <a:t>PSoC  (Programmable system on a chip)</a:t>
               </a:r>
               <a:r>
-                <a:rPr lang="en-US" sz="1400" dirty="0"/>
-                <a:t> – A microcontroller that is programmed with schematic design &amp; C code according to a PSoC Creator software and as a result converts basic input signals to information that can be processed by the system’s electrical components. </a:t>
+                <a:rPr lang="en-US" sz="1600" dirty="0"/>
+                <a:t> – </a:t>
               </a:r>
               <a:br>
-                <a:rPr lang="en-US" sz="1400" dirty="0"/>
+                <a:rPr lang="en-US" sz="1600" dirty="0"/>
               </a:br>
-              <a:endParaRPr lang="en-US" sz="1400" dirty="0"/>
+              <a:r>
+                <a:rPr lang="en-US" sz="1600" dirty="0"/>
+                <a:t>A microcontroller that is programmed with schematic design &amp; C code according to a PSoC Creator software, and as a result converts basic input signals to information that can be processed by the system’s electrical components. </a:t>
+              </a:r>
+              <a:br>
+                <a:rPr lang="en-US" sz="1600" dirty="0"/>
+              </a:br>
+              <a:endParaRPr lang="en-US" sz="1600" dirty="0"/>
             </a:p>
             <a:p>
               <a:pPr marL="457200" indent="-457200">
@@ -4667,17 +4482,17 @@
                 <a:defRPr/>
               </a:pPr>
               <a:r>
-                <a:rPr lang="en-US" sz="1400" u="sng" dirty="0"/>
+                <a:rPr lang="en-US" sz="1600" u="sng" dirty="0"/>
                 <a:t>Motor driver</a:t>
               </a:r>
               <a:r>
-                <a:rPr lang="en-US" sz="1400" dirty="0"/>
+                <a:rPr lang="en-US" sz="1600" dirty="0"/>
                 <a:t> - A PCB that converts signals from the microcontroller to the Stepper Motor.</a:t>
               </a:r>
               <a:br>
-                <a:rPr lang="en-US" sz="1400" dirty="0"/>
+                <a:rPr lang="en-US" sz="1600" dirty="0"/>
               </a:br>
-              <a:endParaRPr lang="en-US" sz="1400" dirty="0"/>
+              <a:endParaRPr lang="en-US" sz="1600" dirty="0"/>
             </a:p>
             <a:p>
               <a:pPr marL="457200" indent="-457200">
@@ -4685,17 +4500,17 @@
                 <a:defRPr/>
               </a:pPr>
               <a:r>
-                <a:rPr lang="en-US" sz="1400" u="sng" dirty="0"/>
+                <a:rPr lang="en-US" sz="1600" u="sng" dirty="0"/>
                 <a:t>Sensors</a:t>
               </a:r>
               <a:r>
-                <a:rPr lang="en-US" sz="1400" dirty="0"/>
+                <a:rPr lang="en-US" sz="1600" dirty="0"/>
                 <a:t> – Optical sensors which indicates the position of the magnet on the conveyor belt as input to the microcontroller.</a:t>
               </a:r>
               <a:br>
-                <a:rPr lang="en-US" sz="1400" dirty="0"/>
+                <a:rPr lang="en-US" sz="1600" dirty="0"/>
               </a:br>
-              <a:endParaRPr lang="en-US" sz="1400" dirty="0"/>
+              <a:endParaRPr lang="en-US" sz="1600" dirty="0"/>
             </a:p>
             <a:p>
               <a:pPr marL="457200" indent="-457200">
@@ -4703,11 +4518,11 @@
                 <a:defRPr/>
               </a:pPr>
               <a:r>
-                <a:rPr lang="en-US" sz="1400" u="sng" dirty="0"/>
+                <a:rPr lang="en-US" sz="1600" u="sng" dirty="0"/>
                 <a:t>LEDs</a:t>
               </a:r>
               <a:r>
-                <a:rPr lang="en-US" sz="1400" dirty="0"/>
+                <a:rPr lang="en-US" sz="1600" dirty="0"/>
                 <a:t> – Indicates the position of the magnet as output feedback for the user.</a:t>
               </a:r>
             </a:p>
@@ -4727,8 +4542,8 @@
           </p:nvSpPr>
           <p:spPr>
             <a:xfrm>
-              <a:off x="438151" y="2322346"/>
-              <a:ext cx="257174" cy="295276"/>
+              <a:off x="360608" y="1365594"/>
+              <a:ext cx="257174" cy="325222"/>
             </a:xfrm>
             <a:prstGeom prst="ellipse">
               <a:avLst/>
@@ -4783,8 +4598,8 @@
           </p:nvSpPr>
           <p:spPr>
             <a:xfrm>
-              <a:off x="438151" y="2981327"/>
-              <a:ext cx="257174" cy="295276"/>
+              <a:off x="360608" y="2122662"/>
+              <a:ext cx="257174" cy="325222"/>
             </a:xfrm>
             <a:prstGeom prst="ellipse">
               <a:avLst/>
@@ -4842,8 +4657,8 @@
           </p:nvSpPr>
           <p:spPr>
             <a:xfrm>
-              <a:off x="438151" y="4459963"/>
-              <a:ext cx="257174" cy="295276"/>
+              <a:off x="360608" y="3786984"/>
+              <a:ext cx="257174" cy="325222"/>
             </a:xfrm>
             <a:prstGeom prst="ellipse">
               <a:avLst/>
@@ -4898,8 +4713,8 @@
           </p:nvSpPr>
           <p:spPr>
             <a:xfrm>
-              <a:off x="438151" y="5152027"/>
-              <a:ext cx="257174" cy="295276"/>
+              <a:off x="360608" y="4561353"/>
+              <a:ext cx="257174" cy="325222"/>
             </a:xfrm>
             <a:prstGeom prst="ellipse">
               <a:avLst/>
@@ -4954,8 +4769,8 @@
           </p:nvSpPr>
           <p:spPr>
             <a:xfrm>
-              <a:off x="438151" y="6000749"/>
-              <a:ext cx="257174" cy="295276"/>
+              <a:off x="360608" y="5538430"/>
+              <a:ext cx="257174" cy="325222"/>
             </a:xfrm>
             <a:prstGeom prst="ellipse">
               <a:avLst/>
@@ -5011,8 +4826,8 @@
         </p:nvGrpSpPr>
         <p:grpSpPr>
           <a:xfrm>
-            <a:off x="5179131" y="0"/>
-            <a:ext cx="7012870" cy="5581650"/>
+            <a:off x="5610224" y="1600200"/>
+            <a:ext cx="6581755" cy="5248278"/>
             <a:chOff x="5179131" y="0"/>
             <a:chExt cx="7012870" cy="5581650"/>
           </a:xfrm>
@@ -5052,7 +4867,7 @@
               <p:nvPr/>
             </p:nvPicPr>
             <p:blipFill rotWithShape="1">
-              <a:blip r:embed="rId2">
+              <a:blip r:embed="rId3">
                 <a:extLst>
                   <a:ext uri="{28A0092B-C50C-407E-A947-70E740481C1C}">
                     <a14:useLocalDpi xmlns:a14="http://schemas.microsoft.com/office/drawing/2010/main" val="0"/>
@@ -5438,7 +5253,7 @@
         </p:nvSpPr>
         <p:spPr>
           <a:xfrm>
-            <a:off x="3829050" y="190976"/>
+            <a:off x="2675377" y="276760"/>
             <a:ext cx="2383543" cy="646331"/>
           </a:xfrm>
           <a:prstGeom prst="rect">
@@ -5475,7 +5290,7 @@
 </p:sld>
 </file>
 
-<file path=ppt/slides/slide6.xml><?xml version="1.0" encoding="utf-8"?>
+<file path=ppt/slides/slide5.xml><?xml version="1.0" encoding="utf-8"?>
 <p:sld xmlns:a="http://schemas.openxmlformats.org/drawingml/2006/main" xmlns:r="http://schemas.openxmlformats.org/officeDocument/2006/relationships" xmlns:p="http://schemas.openxmlformats.org/presentationml/2006/main">
   <p:cSld>
     <p:spTree>
@@ -5494,6 +5309,52 @@
       </p:grpSpPr>
       <p:pic>
         <p:nvPicPr>
+          <p:cNvPr id="7" name="Picture 10" descr="Blue Powerpoint Background Images – Browse 10,220 Stock Photos, Vectors,  and Video | Adobe Stock">
+            <a:extLst>
+              <a:ext uri="{FF2B5EF4-FFF2-40B4-BE49-F238E27FC236}">
+                <a16:creationId xmlns:a16="http://schemas.microsoft.com/office/drawing/2014/main" id="{17A05C0A-AAD2-1373-F5EE-CFD70E34D19A}"/>
+              </a:ext>
+            </a:extLst>
+          </p:cNvPr>
+          <p:cNvPicPr>
+            <a:picLocks noChangeAspect="1" noChangeArrowheads="1"/>
+          </p:cNvPicPr>
+          <p:nvPr/>
+        </p:nvPicPr>
+        <p:blipFill rotWithShape="1">
+          <a:blip r:embed="rId2">
+            <a:alphaModFix amt="35000"/>
+            <a:extLst>
+              <a:ext uri="{28A0092B-C50C-407E-A947-70E740481C1C}">
+                <a14:useLocalDpi xmlns:a14="http://schemas.microsoft.com/office/drawing/2010/main" val="0"/>
+              </a:ext>
+            </a:extLst>
+          </a:blip>
+          <a:srcRect r="11096" b="1"/>
+          <a:stretch/>
+        </p:blipFill>
+        <p:spPr bwMode="auto">
+          <a:xfrm>
+            <a:off x="20" y="1282"/>
+            <a:ext cx="12191980" cy="6856718"/>
+          </a:xfrm>
+          <a:prstGeom prst="rect">
+            <a:avLst/>
+          </a:prstGeom>
+          <a:noFill/>
+          <a:extLst>
+            <a:ext uri="{909E8E84-426E-40DD-AFC4-6F175D3DCCD1}">
+              <a14:hiddenFill xmlns:a14="http://schemas.microsoft.com/office/drawing/2010/main">
+                <a:solidFill>
+                  <a:srgbClr val="FFFFFF"/>
+                </a:solidFill>
+              </a14:hiddenFill>
+            </a:ext>
+          </a:extLst>
+        </p:spPr>
+      </p:pic>
+      <p:pic>
+        <p:nvPicPr>
           <p:cNvPr id="9" name="Picture 3">
             <a:extLst>
               <a:ext uri="{FF2B5EF4-FFF2-40B4-BE49-F238E27FC236}">
@@ -5507,7 +5368,7 @@
           <p:nvPr/>
         </p:nvPicPr>
         <p:blipFill>
-          <a:blip r:embed="rId2">
+          <a:blip r:embed="rId3">
             <a:extLst>
               <a:ext uri="{28A0092B-C50C-407E-A947-70E740481C1C}">
                 <a14:useLocalDpi xmlns:a14="http://schemas.microsoft.com/office/drawing/2010/main" val="0"/>
@@ -5567,7 +5428,7 @@
           <p:nvPr/>
         </p:nvPicPr>
         <p:blipFill>
-          <a:blip r:embed="rId3">
+          <a:blip r:embed="rId4">
             <a:extLst>
               <a:ext uri="{28A0092B-C50C-407E-A947-70E740481C1C}">
                 <a14:useLocalDpi xmlns:a14="http://schemas.microsoft.com/office/drawing/2010/main" val="0"/>
@@ -5661,7 +5522,7 @@
             </a:pPr>
             <a:r>
               <a:rPr lang="en-US" sz="2000" dirty="0"/>
-              <a:t>An electrical board which integrates the microcontroller and its peripheral circuit that contains DC,  Motor Driver, LEDs, Optical sensors and passive components.</a:t>
+              <a:t>An electrical board which integrates the microcontroller and its peripheral circuit that contains DC power supply, Motor Driver, LEDs, Optical sensors and passive components.</a:t>
             </a:r>
           </a:p>
           <a:p>
@@ -5730,7 +5591,7 @@
             </a:pPr>
             <a:r>
               <a:rPr lang="en-US" sz="2000" dirty="0"/>
-              <a:t>A magnet that is connected to a conveyor belt, this system is nailed to its surface to reduce physical disturbances and movements of the system. </a:t>
+              <a:t>A magnet that is connected to a conveyor belt, this system is nailed to its surface to reduce physical disturbances and movements. </a:t>
             </a:r>
           </a:p>
           <a:p>
@@ -5761,7 +5622,7 @@
         </p:nvSpPr>
         <p:spPr>
           <a:xfrm>
-            <a:off x="3829050" y="190976"/>
+            <a:off x="2676525" y="284426"/>
             <a:ext cx="3467100" cy="646331"/>
           </a:xfrm>
           <a:prstGeom prst="rect">
@@ -5798,7 +5659,7 @@
 </p:sld>
 </file>
 
-<file path=ppt/slides/slide7.xml><?xml version="1.0" encoding="utf-8"?>
+<file path=ppt/slides/slide6.xml><?xml version="1.0" encoding="utf-8"?>
 <p:sld xmlns:a="http://schemas.openxmlformats.org/drawingml/2006/main" xmlns:r="http://schemas.openxmlformats.org/officeDocument/2006/relationships" xmlns:p="http://schemas.openxmlformats.org/presentationml/2006/main">
   <p:cSld>
     <p:spTree>
@@ -5815,6 +5676,52 @@
           <a:chExt cx="0" cy="0"/>
         </a:xfrm>
       </p:grpSpPr>
+      <p:pic>
+        <p:nvPicPr>
+          <p:cNvPr id="6" name="Picture 10" descr="Blue Powerpoint Background Images – Browse 10,220 Stock Photos, Vectors,  and Video | Adobe Stock">
+            <a:extLst>
+              <a:ext uri="{FF2B5EF4-FFF2-40B4-BE49-F238E27FC236}">
+                <a16:creationId xmlns:a16="http://schemas.microsoft.com/office/drawing/2014/main" id="{6ADDD325-656E-471E-D2AD-3062EB876C73}"/>
+              </a:ext>
+            </a:extLst>
+          </p:cNvPr>
+          <p:cNvPicPr>
+            <a:picLocks noChangeAspect="1" noChangeArrowheads="1"/>
+          </p:cNvPicPr>
+          <p:nvPr/>
+        </p:nvPicPr>
+        <p:blipFill rotWithShape="1">
+          <a:blip r:embed="rId2">
+            <a:alphaModFix amt="35000"/>
+            <a:extLst>
+              <a:ext uri="{28A0092B-C50C-407E-A947-70E740481C1C}">
+                <a14:useLocalDpi xmlns:a14="http://schemas.microsoft.com/office/drawing/2010/main" val="0"/>
+              </a:ext>
+            </a:extLst>
+          </a:blip>
+          <a:srcRect r="11096" b="1"/>
+          <a:stretch/>
+        </p:blipFill>
+        <p:spPr bwMode="auto">
+          <a:xfrm>
+            <a:off x="20" y="1282"/>
+            <a:ext cx="12191980" cy="6856718"/>
+          </a:xfrm>
+          <a:prstGeom prst="rect">
+            <a:avLst/>
+          </a:prstGeom>
+          <a:noFill/>
+          <a:extLst>
+            <a:ext uri="{909E8E84-426E-40DD-AFC4-6F175D3DCCD1}">
+              <a14:hiddenFill xmlns:a14="http://schemas.microsoft.com/office/drawing/2010/main">
+                <a:solidFill>
+                  <a:srgbClr val="FFFFFF"/>
+                </a:solidFill>
+              </a14:hiddenFill>
+            </a:ext>
+          </a:extLst>
+        </p:spPr>
+      </p:pic>
       <p:sp>
         <p:nvSpPr>
           <p:cNvPr id="2" name="TextBox 1">
@@ -5829,7 +5736,7 @@
         </p:nvSpPr>
         <p:spPr>
           <a:xfrm>
-            <a:off x="3829049" y="190976"/>
+            <a:off x="2590799" y="290869"/>
             <a:ext cx="3895725" cy="646331"/>
           </a:xfrm>
           <a:prstGeom prst="rect">
@@ -5868,7 +5775,7 @@
         <p:spPr>
           <a:xfrm>
             <a:off x="336123" y="1071026"/>
-            <a:ext cx="5884545" cy="3170099"/>
+            <a:ext cx="5884545" cy="3447098"/>
           </a:xfrm>
           <a:prstGeom prst="rect">
             <a:avLst/>
@@ -5899,7 +5806,16 @@
             </a:br>
             <a:r>
               <a:rPr lang="en-US" dirty="0"/>
-              <a:t>The experiment included measurements of the magnetic field by a Magnometer in each step of the Stepper Motor for the length of the conveyor belt and conversion of the motor steps to distance in millimeters.</a:t>
+              <a:t>The experiment included measurements of the magnetic field by a Magnometer. We measured over the length of the conveyor belt in each step of the Stepper Motor.</a:t>
+            </a:r>
+          </a:p>
+          <a:p>
+            <a:pPr>
+              <a:defRPr/>
+            </a:pPr>
+            <a:r>
+              <a:rPr lang="en-US" dirty="0"/>
+              <a:t>Afterwards, we converted the motor steps to distance in millimeters.</a:t>
             </a:r>
           </a:p>
           <a:p>
@@ -5941,7 +5857,7 @@
           <p:nvPr/>
         </p:nvPicPr>
         <p:blipFill>
-          <a:blip r:embed="rId2">
+          <a:blip r:embed="rId3">
             <a:extLst>
               <a:ext uri="{28A0092B-C50C-407E-A947-70E740481C1C}">
                 <a14:useLocalDpi xmlns:a14="http://schemas.microsoft.com/office/drawing/2010/main" val="0"/>
@@ -5955,8 +5871,8 @@
         </p:blipFill>
         <p:spPr bwMode="auto">
           <a:xfrm>
-            <a:off x="1087271" y="3961234"/>
-            <a:ext cx="4382251" cy="2705790"/>
+            <a:off x="1087271" y="4256632"/>
+            <a:ext cx="3903829" cy="2410392"/>
           </a:xfrm>
           <a:prstGeom prst="rect">
             <a:avLst/>
@@ -6001,7 +5917,7 @@
           <p:nvPr/>
         </p:nvPicPr>
         <p:blipFill rotWithShape="1">
-          <a:blip r:embed="rId3"/>
+          <a:blip r:embed="rId4"/>
           <a:srcRect r="4462" b="1070"/>
           <a:stretch/>
         </p:blipFill>
@@ -6028,6 +5944,202 @@
 </p:sld>
 </file>
 
+<file path=ppt/slides/slide7.xml><?xml version="1.0" encoding="utf-8"?>
+<p:sld xmlns:a="http://schemas.openxmlformats.org/drawingml/2006/main" xmlns:r="http://schemas.openxmlformats.org/officeDocument/2006/relationships" xmlns:p="http://schemas.openxmlformats.org/presentationml/2006/main">
+  <p:cSld>
+    <p:spTree>
+      <p:nvGrpSpPr>
+        <p:cNvPr id="1" name=""/>
+        <p:cNvGrpSpPr/>
+        <p:nvPr/>
+      </p:nvGrpSpPr>
+      <p:grpSpPr>
+        <a:xfrm>
+          <a:off x="0" y="0"/>
+          <a:ext cx="0" cy="0"/>
+          <a:chOff x="0" y="0"/>
+          <a:chExt cx="0" cy="0"/>
+        </a:xfrm>
+      </p:grpSpPr>
+      <p:pic>
+        <p:nvPicPr>
+          <p:cNvPr id="6" name="Picture 10" descr="Blue Powerpoint Background Images – Browse 10,220 Stock Photos, Vectors,  and Video | Adobe Stock">
+            <a:extLst>
+              <a:ext uri="{FF2B5EF4-FFF2-40B4-BE49-F238E27FC236}">
+                <a16:creationId xmlns:a16="http://schemas.microsoft.com/office/drawing/2014/main" id="{0E7F3B9C-9F7A-FC62-A605-7DF33F64E3E1}"/>
+              </a:ext>
+            </a:extLst>
+          </p:cNvPr>
+          <p:cNvPicPr>
+            <a:picLocks noChangeAspect="1" noChangeArrowheads="1"/>
+          </p:cNvPicPr>
+          <p:nvPr/>
+        </p:nvPicPr>
+        <p:blipFill rotWithShape="1">
+          <a:blip r:embed="rId2">
+            <a:alphaModFix amt="35000"/>
+            <a:extLst>
+              <a:ext uri="{28A0092B-C50C-407E-A947-70E740481C1C}">
+                <a14:useLocalDpi xmlns:a14="http://schemas.microsoft.com/office/drawing/2010/main" val="0"/>
+              </a:ext>
+            </a:extLst>
+          </a:blip>
+          <a:srcRect r="11096" b="1"/>
+          <a:stretch/>
+        </p:blipFill>
+        <p:spPr bwMode="auto">
+          <a:xfrm>
+            <a:off x="20" y="1282"/>
+            <a:ext cx="12191980" cy="6856718"/>
+          </a:xfrm>
+          <a:prstGeom prst="rect">
+            <a:avLst/>
+          </a:prstGeom>
+          <a:noFill/>
+          <a:extLst>
+            <a:ext uri="{909E8E84-426E-40DD-AFC4-6F175D3DCCD1}">
+              <a14:hiddenFill xmlns:a14="http://schemas.microsoft.com/office/drawing/2010/main">
+                <a:solidFill>
+                  <a:srgbClr val="FFFFFF"/>
+                </a:solidFill>
+              </a14:hiddenFill>
+            </a:ext>
+          </a:extLst>
+        </p:spPr>
+      </p:pic>
+      <p:sp>
+        <p:nvSpPr>
+          <p:cNvPr id="3" name="TextBox 2">
+            <a:extLst>
+              <a:ext uri="{FF2B5EF4-FFF2-40B4-BE49-F238E27FC236}">
+                <a16:creationId xmlns:a16="http://schemas.microsoft.com/office/drawing/2014/main" id="{AFD4A720-B87B-A40C-1A63-4775893254FA}"/>
+              </a:ext>
+            </a:extLst>
+          </p:cNvPr>
+          <p:cNvSpPr txBox="1"/>
+          <p:nvPr/>
+        </p:nvSpPr>
+        <p:spPr>
+          <a:xfrm>
+            <a:off x="2628900" y="276701"/>
+            <a:ext cx="5019675" cy="646331"/>
+          </a:xfrm>
+          <a:prstGeom prst="rect">
+            <a:avLst/>
+          </a:prstGeom>
+          <a:noFill/>
+        </p:spPr>
+        <p:txBody>
+          <a:bodyPr wrap="square">
+            <a:spAutoFit/>
+          </a:bodyPr>
+          <a:lstStyle/>
+          <a:p>
+            <a:pPr>
+              <a:defRPr/>
+            </a:pPr>
+            <a:r>
+              <a:rPr lang="en-US" sz="3600" dirty="0"/>
+              <a:t>Difficulties and solutions</a:t>
+            </a:r>
+          </a:p>
+        </p:txBody>
+      </p:sp>
+      <p:sp>
+        <p:nvSpPr>
+          <p:cNvPr id="4" name="TextBox 3">
+            <a:extLst>
+              <a:ext uri="{FF2B5EF4-FFF2-40B4-BE49-F238E27FC236}">
+                <a16:creationId xmlns:a16="http://schemas.microsoft.com/office/drawing/2014/main" id="{81AAC0FD-B1E3-DB6D-AE51-226C2A5C897C}"/>
+              </a:ext>
+            </a:extLst>
+          </p:cNvPr>
+          <p:cNvSpPr txBox="1"/>
+          <p:nvPr/>
+        </p:nvSpPr>
+        <p:spPr>
+          <a:xfrm>
+            <a:off x="461963" y="1068556"/>
+            <a:ext cx="11510962" cy="4185761"/>
+          </a:xfrm>
+          <a:prstGeom prst="rect">
+            <a:avLst/>
+          </a:prstGeom>
+          <a:noFill/>
+        </p:spPr>
+        <p:txBody>
+          <a:bodyPr wrap="square" rtlCol="0">
+            <a:spAutoFit/>
+          </a:bodyPr>
+          <a:lstStyle/>
+          <a:p>
+            <a:pPr>
+              <a:defRPr/>
+            </a:pPr>
+            <a:r>
+              <a:rPr lang="en-US" sz="2800" b="1" dirty="0"/>
+              <a:t>Dual supplier input problem</a:t>
+            </a:r>
+            <a:endParaRPr lang="en-US" sz="2000" b="1" dirty="0"/>
+          </a:p>
+          <a:p>
+            <a:pPr>
+              <a:defRPr/>
+            </a:pPr>
+            <a:br>
+              <a:rPr lang="en-US" sz="2000" dirty="0"/>
+            </a:br>
+            <a:r>
+              <a:rPr lang="en-US" sz="2000" dirty="0"/>
+              <a:t>There are two ways to supply voltage to the microcontroller, through USB connection to a PC and through an external source, but not together to prevent short circuit between two suppliers.</a:t>
+            </a:r>
+          </a:p>
+          <a:p>
+            <a:pPr>
+              <a:defRPr/>
+            </a:pPr>
+            <a:r>
+              <a:rPr lang="en-US" sz="2000" dirty="0"/>
+              <a:t>The external source is the preferred way to supply power to the microcontroller in order to avoid the need to keep the USB always connected, but we need the USB to program the microcontroller. This is a problem since the design we made does not connect between the microcontroller DC input and the external source.  </a:t>
+            </a:r>
+          </a:p>
+          <a:p>
+            <a:pPr>
+              <a:defRPr/>
+            </a:pPr>
+            <a:endParaRPr lang="en-US" sz="2000" dirty="0"/>
+          </a:p>
+          <a:p>
+            <a:pPr>
+              <a:defRPr/>
+            </a:pPr>
+            <a:r>
+              <a:rPr lang="en-US" sz="2000" dirty="0"/>
+              <a:t>There is a chip that transfers DC supply from the USB (PC) through a diode (D1). In order to prevent short circuit and solve the design problem, we disconnected the diode and soldered VDD and GND underneath the PCB between the DC input of the board to the DC input of the microcontroller, so the microcontroller will only receive voltage from the external power supply even while programming the microcontroller through USB.</a:t>
+            </a:r>
+          </a:p>
+          <a:p>
+            <a:pPr marL="457200" indent="-457200">
+              <a:buAutoNum type="arabicParenR"/>
+              <a:defRPr/>
+            </a:pPr>
+            <a:endParaRPr lang="en-US" dirty="0"/>
+          </a:p>
+        </p:txBody>
+      </p:sp>
+    </p:spTree>
+    <p:extLst>
+      <p:ext uri="{BB962C8B-B14F-4D97-AF65-F5344CB8AC3E}">
+        <p14:creationId xmlns:p14="http://schemas.microsoft.com/office/powerpoint/2010/main" val="2079581846"/>
+      </p:ext>
+    </p:extLst>
+  </p:cSld>
+  <p:clrMapOvr>
+    <a:masterClrMapping/>
+  </p:clrMapOvr>
+</p:sld>
+</file>
+
 <file path=ppt/slides/slide8.xml><?xml version="1.0" encoding="utf-8"?>
 <p:sld xmlns:a="http://schemas.openxmlformats.org/drawingml/2006/main" xmlns:r="http://schemas.openxmlformats.org/officeDocument/2006/relationships" xmlns:p="http://schemas.openxmlformats.org/presentationml/2006/main">
   <p:cSld>
@@ -6045,12 +6157,58 @@
           <a:chExt cx="0" cy="0"/>
         </a:xfrm>
       </p:grpSpPr>
-      <p:sp>
-        <p:nvSpPr>
-          <p:cNvPr id="3" name="TextBox 2">
-            <a:extLst>
-              <a:ext uri="{FF2B5EF4-FFF2-40B4-BE49-F238E27FC236}">
-                <a16:creationId xmlns:a16="http://schemas.microsoft.com/office/drawing/2014/main" id="{AFD4A720-B87B-A40C-1A63-4775893254FA}"/>
+      <p:pic>
+        <p:nvPicPr>
+          <p:cNvPr id="4" name="Picture 10" descr="Blue Powerpoint Background Images – Browse 10,220 Stock Photos, Vectors,  and Video | Adobe Stock">
+            <a:extLst>
+              <a:ext uri="{FF2B5EF4-FFF2-40B4-BE49-F238E27FC236}">
+                <a16:creationId xmlns:a16="http://schemas.microsoft.com/office/drawing/2014/main" id="{76257F98-2B32-1A0B-55F7-7D54955AD4B9}"/>
+              </a:ext>
+            </a:extLst>
+          </p:cNvPr>
+          <p:cNvPicPr>
+            <a:picLocks noChangeAspect="1" noChangeArrowheads="1"/>
+          </p:cNvPicPr>
+          <p:nvPr/>
+        </p:nvPicPr>
+        <p:blipFill rotWithShape="1">
+          <a:blip r:embed="rId2">
+            <a:alphaModFix amt="35000"/>
+            <a:extLst>
+              <a:ext uri="{28A0092B-C50C-407E-A947-70E740481C1C}">
+                <a14:useLocalDpi xmlns:a14="http://schemas.microsoft.com/office/drawing/2010/main" val="0"/>
+              </a:ext>
+            </a:extLst>
+          </a:blip>
+          <a:srcRect r="11096" b="1"/>
+          <a:stretch/>
+        </p:blipFill>
+        <p:spPr bwMode="auto">
+          <a:xfrm>
+            <a:off x="20" y="1282"/>
+            <a:ext cx="12191980" cy="6856718"/>
+          </a:xfrm>
+          <a:prstGeom prst="rect">
+            <a:avLst/>
+          </a:prstGeom>
+          <a:noFill/>
+          <a:extLst>
+            <a:ext uri="{909E8E84-426E-40DD-AFC4-6F175D3DCCD1}">
+              <a14:hiddenFill xmlns:a14="http://schemas.microsoft.com/office/drawing/2010/main">
+                <a:solidFill>
+                  <a:srgbClr val="FFFFFF"/>
+                </a:solidFill>
+              </a14:hiddenFill>
+            </a:ext>
+          </a:extLst>
+        </p:spPr>
+      </p:pic>
+      <p:sp>
+        <p:nvSpPr>
+          <p:cNvPr id="2" name="TextBox 1">
+            <a:extLst>
+              <a:ext uri="{FF2B5EF4-FFF2-40B4-BE49-F238E27FC236}">
+                <a16:creationId xmlns:a16="http://schemas.microsoft.com/office/drawing/2014/main" id="{C403F033-F74B-D9ED-8F47-70B5174809BD}"/>
               </a:ext>
             </a:extLst>
           </p:cNvPr>
@@ -6059,8 +6217,8 @@
         </p:nvSpPr>
         <p:spPr>
           <a:xfrm>
-            <a:off x="3476625" y="219551"/>
-            <a:ext cx="5019675" cy="646331"/>
+            <a:off x="633413" y="1876542"/>
+            <a:ext cx="9758362" cy="2369880"/>
           </a:xfrm>
           <a:prstGeom prst="rect">
             <a:avLst/>
@@ -6068,7 +6226,7 @@
           <a:noFill/>
         </p:spPr>
         <p:txBody>
-          <a:bodyPr wrap="square">
+          <a:bodyPr wrap="square" rtlCol="0">
             <a:spAutoFit/>
           </a:bodyPr>
           <a:lstStyle/>
@@ -6077,18 +6235,50 @@
               <a:defRPr/>
             </a:pPr>
             <a:r>
-              <a:rPr lang="en-US" sz="3600" dirty="0"/>
-              <a:t>Difficulties and solutions</a:t>
-            </a:r>
-          </a:p>
-        </p:txBody>
-      </p:sp>
-      <p:sp>
-        <p:nvSpPr>
-          <p:cNvPr id="4" name="TextBox 3">
-            <a:extLst>
-              <a:ext uri="{FF2B5EF4-FFF2-40B4-BE49-F238E27FC236}">
-                <a16:creationId xmlns:a16="http://schemas.microsoft.com/office/drawing/2014/main" id="{81AAC0FD-B1E3-DB6D-AE51-226C2A5C897C}"/>
+              <a:rPr lang="en-US" sz="2800" b="1" dirty="0"/>
+              <a:t>Override switch and spare bus.</a:t>
+            </a:r>
+          </a:p>
+          <a:p>
+            <a:pPr>
+              <a:defRPr/>
+            </a:pPr>
+            <a:endParaRPr lang="en-US" sz="2000" b="1" dirty="0"/>
+          </a:p>
+          <a:p>
+            <a:pPr>
+              <a:defRPr/>
+            </a:pPr>
+            <a:r>
+              <a:rPr lang="en-US" sz="2000" dirty="0"/>
+              <a:t>In the initial design of the PCB, we created a spare bus connection to the microcontroller GPIOs and DC input in case of possible changes.</a:t>
+            </a:r>
+          </a:p>
+          <a:p>
+            <a:pPr>
+              <a:defRPr/>
+            </a:pPr>
+            <a:r>
+              <a:rPr lang="en-US" sz="2000" dirty="0"/>
+              <a:t>After we designed and printed the PCB, we decided that another component is needed, a switch that can override the software and move the magnet on/off the sample. </a:t>
+            </a:r>
+            <a:br>
+              <a:rPr lang="en-US" sz="2000" dirty="0"/>
+            </a:br>
+            <a:r>
+              <a:rPr lang="en-US" sz="2000" dirty="0"/>
+              <a:t>We used the spare bus GPIO to integrate the override switch to the system.</a:t>
+            </a:r>
+            <a:endParaRPr lang="en-US" dirty="0"/>
+          </a:p>
+        </p:txBody>
+      </p:sp>
+      <p:sp>
+        <p:nvSpPr>
+          <p:cNvPr id="3" name="TextBox 2">
+            <a:extLst>
+              <a:ext uri="{FF2B5EF4-FFF2-40B4-BE49-F238E27FC236}">
+                <a16:creationId xmlns:a16="http://schemas.microsoft.com/office/drawing/2014/main" id="{7C7854FB-013E-64EE-35F8-6DB8C42992D4}"/>
               </a:ext>
             </a:extLst>
           </p:cNvPr>
@@ -6097,8 +6287,8 @@
         </p:nvSpPr>
         <p:spPr>
           <a:xfrm>
-            <a:off x="180976" y="947201"/>
-            <a:ext cx="12011024" cy="4031873"/>
+            <a:off x="2628900" y="276701"/>
+            <a:ext cx="5857875" cy="646331"/>
           </a:xfrm>
           <a:prstGeom prst="rect">
             <a:avLst/>
@@ -6106,7 +6296,7 @@
           <a:noFill/>
         </p:spPr>
         <p:txBody>
-          <a:bodyPr wrap="square" rtlCol="0">
+          <a:bodyPr wrap="square">
             <a:spAutoFit/>
           </a:bodyPr>
           <a:lstStyle/>
@@ -6115,91 +6305,94 @@
               <a:defRPr/>
             </a:pPr>
             <a:r>
-              <a:rPr lang="en-US" sz="2400" b="1" dirty="0"/>
-              <a:t>Dual supplier input problem</a:t>
-            </a:r>
-            <a:endParaRPr lang="en-US" b="1" dirty="0"/>
-          </a:p>
-          <a:p>
-            <a:pPr>
-              <a:defRPr/>
-            </a:pPr>
-            <a:br>
-              <a:rPr lang="en-US" dirty="0"/>
-            </a:br>
-            <a:r>
-              <a:rPr lang="en-US" dirty="0"/>
-              <a:t>Introduction:</a:t>
-            </a:r>
-            <a:br>
-              <a:rPr lang="en-US" dirty="0"/>
-            </a:br>
-            <a:r>
-              <a:rPr lang="en-US" dirty="0"/>
-              <a:t>There are two ways to supply voltage to the microcontroller, through USB connection to a PC and through an external source.</a:t>
-            </a:r>
-          </a:p>
-          <a:p>
-            <a:pPr>
-              <a:defRPr/>
-            </a:pPr>
-            <a:r>
-              <a:rPr lang="en-US" dirty="0"/>
-              <a:t>We designed the PCB to support the voltage supply through the USB connection to a PC.</a:t>
-            </a:r>
-            <a:br>
-              <a:rPr lang="en-US" dirty="0"/>
-            </a:br>
-            <a:r>
-              <a:rPr lang="en-US" dirty="0"/>
-              <a:t>We mustn’t supply through USB connection to a PC and through and external source together, because we don’t want to cause short circuit between two suppliers.</a:t>
-            </a:r>
-            <a:br>
-              <a:rPr lang="en-US" dirty="0"/>
-            </a:br>
-            <a:r>
-              <a:rPr lang="en-US" dirty="0"/>
-              <a:t>We want to supply the microcontroller through an external source and not the USB connection although we need the USB to program the microcontroller.</a:t>
-            </a:r>
-          </a:p>
-          <a:p>
-            <a:pPr>
-              <a:defRPr/>
-            </a:pPr>
-            <a:endParaRPr lang="en-US" dirty="0"/>
-          </a:p>
-          <a:p>
-            <a:pPr>
-              <a:defRPr/>
-            </a:pPr>
-            <a:r>
-              <a:rPr lang="en-US" dirty="0">
-                <a:highlight>
-                  <a:srgbClr val="FFFF00"/>
-                </a:highlight>
-              </a:rPr>
-              <a:t>There is diode YURY  </a:t>
-            </a:r>
-            <a:r>
-              <a:rPr lang="en-US" dirty="0"/>
-              <a:t> so we disconnected the diode and soldered VDD and GND underneath the PCB between the DC input of the board to the DC input of the microcontroller, so the microcontroller will only receive voltage from the external power supply even while programming the microcontroller through USB.</a:t>
-            </a:r>
-          </a:p>
-          <a:p>
-            <a:pPr marL="457200" indent="-457200">
-              <a:buAutoNum type="arabicParenR"/>
-              <a:defRPr/>
-            </a:pPr>
-            <a:endParaRPr lang="en-US" sz="1600" dirty="0"/>
-          </a:p>
-        </p:txBody>
-      </p:sp>
-      <p:sp>
-        <p:nvSpPr>
-          <p:cNvPr id="5" name="TextBox 4">
-            <a:extLst>
-              <a:ext uri="{FF2B5EF4-FFF2-40B4-BE49-F238E27FC236}">
-                <a16:creationId xmlns:a16="http://schemas.microsoft.com/office/drawing/2014/main" id="{55F5EE80-0775-A71B-7680-63642D3D2426}"/>
+              <a:rPr lang="en-US" sz="3600" dirty="0"/>
+              <a:t>Difficulties and solutions cont.</a:t>
+            </a:r>
+          </a:p>
+        </p:txBody>
+      </p:sp>
+    </p:spTree>
+    <p:extLst>
+      <p:ext uri="{BB962C8B-B14F-4D97-AF65-F5344CB8AC3E}">
+        <p14:creationId xmlns:p14="http://schemas.microsoft.com/office/powerpoint/2010/main" val="3968901914"/>
+      </p:ext>
+    </p:extLst>
+  </p:cSld>
+  <p:clrMapOvr>
+    <a:masterClrMapping/>
+  </p:clrMapOvr>
+</p:sld>
+</file>
+
+<file path=ppt/slides/slide9.xml><?xml version="1.0" encoding="utf-8"?>
+<p:sld xmlns:a="http://schemas.openxmlformats.org/drawingml/2006/main" xmlns:r="http://schemas.openxmlformats.org/officeDocument/2006/relationships" xmlns:p="http://schemas.openxmlformats.org/presentationml/2006/main">
+  <p:cSld>
+    <p:spTree>
+      <p:nvGrpSpPr>
+        <p:cNvPr id="1" name=""/>
+        <p:cNvGrpSpPr/>
+        <p:nvPr/>
+      </p:nvGrpSpPr>
+      <p:grpSpPr>
+        <a:xfrm>
+          <a:off x="0" y="0"/>
+          <a:ext cx="0" cy="0"/>
+          <a:chOff x="0" y="0"/>
+          <a:chExt cx="0" cy="0"/>
+        </a:xfrm>
+      </p:grpSpPr>
+      <p:pic>
+        <p:nvPicPr>
+          <p:cNvPr id="6" name="Picture 10" descr="Blue Powerpoint Background Images – Browse 10,220 Stock Photos, Vectors,  and Video | Adobe Stock">
+            <a:extLst>
+              <a:ext uri="{FF2B5EF4-FFF2-40B4-BE49-F238E27FC236}">
+                <a16:creationId xmlns:a16="http://schemas.microsoft.com/office/drawing/2014/main" id="{65AC28F6-97F0-9601-757C-6241B0DF3083}"/>
+              </a:ext>
+            </a:extLst>
+          </p:cNvPr>
+          <p:cNvPicPr>
+            <a:picLocks noChangeAspect="1" noChangeArrowheads="1"/>
+          </p:cNvPicPr>
+          <p:nvPr/>
+        </p:nvPicPr>
+        <p:blipFill rotWithShape="1">
+          <a:blip r:embed="rId2">
+            <a:alphaModFix amt="35000"/>
+            <a:extLst>
+              <a:ext uri="{28A0092B-C50C-407E-A947-70E740481C1C}">
+                <a14:useLocalDpi xmlns:a14="http://schemas.microsoft.com/office/drawing/2010/main" val="0"/>
+              </a:ext>
+            </a:extLst>
+          </a:blip>
+          <a:srcRect r="11096" b="1"/>
+          <a:stretch/>
+        </p:blipFill>
+        <p:spPr bwMode="auto">
+          <a:xfrm>
+            <a:off x="20" y="1282"/>
+            <a:ext cx="12191980" cy="6856718"/>
+          </a:xfrm>
+          <a:prstGeom prst="rect">
+            <a:avLst/>
+          </a:prstGeom>
+          <a:noFill/>
+          <a:extLst>
+            <a:ext uri="{909E8E84-426E-40DD-AFC4-6F175D3DCCD1}">
+              <a14:hiddenFill xmlns:a14="http://schemas.microsoft.com/office/drawing/2010/main">
+                <a:solidFill>
+                  <a:srgbClr val="FFFFFF"/>
+                </a:solidFill>
+              </a14:hiddenFill>
+            </a:ext>
+          </a:extLst>
+        </p:spPr>
+      </p:pic>
+      <p:sp>
+        <p:nvSpPr>
+          <p:cNvPr id="2" name="TextBox 1">
+            <a:extLst>
+              <a:ext uri="{FF2B5EF4-FFF2-40B4-BE49-F238E27FC236}">
+                <a16:creationId xmlns:a16="http://schemas.microsoft.com/office/drawing/2014/main" id="{7B1E498D-5E39-01B6-638E-2CD208468231}"/>
               </a:ext>
             </a:extLst>
           </p:cNvPr>
@@ -6208,8 +6401,8 @@
         </p:nvSpPr>
         <p:spPr>
           <a:xfrm>
-            <a:off x="90488" y="4876917"/>
-            <a:ext cx="12011024" cy="1846659"/>
+            <a:off x="5072062" y="124301"/>
+            <a:ext cx="2047875" cy="646331"/>
           </a:xfrm>
           <a:prstGeom prst="rect">
             <a:avLst/>
@@ -6217,52 +6410,171 @@
           <a:noFill/>
         </p:spPr>
         <p:txBody>
+          <a:bodyPr wrap="square">
+            <a:spAutoFit/>
+          </a:bodyPr>
+          <a:lstStyle/>
+          <a:p>
+            <a:pPr>
+              <a:defRPr/>
+            </a:pPr>
+            <a:r>
+              <a:rPr lang="en-US" sz="3600" dirty="0"/>
+              <a:t>Summary</a:t>
+            </a:r>
+          </a:p>
+        </p:txBody>
+      </p:sp>
+      <p:sp>
+        <p:nvSpPr>
+          <p:cNvPr id="3" name="TextBox 2">
+            <a:extLst>
+              <a:ext uri="{FF2B5EF4-FFF2-40B4-BE49-F238E27FC236}">
+                <a16:creationId xmlns:a16="http://schemas.microsoft.com/office/drawing/2014/main" id="{DCF36A2E-7B9C-E3DC-1E76-E23CDE7451FC}"/>
+              </a:ext>
+            </a:extLst>
+          </p:cNvPr>
+          <p:cNvSpPr txBox="1"/>
+          <p:nvPr/>
+        </p:nvSpPr>
+        <p:spPr>
+          <a:xfrm>
+            <a:off x="180976" y="1541264"/>
+            <a:ext cx="12011024" cy="4401205"/>
+          </a:xfrm>
+          <a:prstGeom prst="rect">
+            <a:avLst/>
+          </a:prstGeom>
+          <a:noFill/>
+        </p:spPr>
+        <p:txBody>
           <a:bodyPr wrap="square" rtlCol="0">
             <a:spAutoFit/>
           </a:bodyPr>
           <a:lstStyle/>
           <a:p>
-            <a:pPr>
+            <a:pPr marL="285750" indent="-285750">
+              <a:buFont typeface="Arial" panose="020B0604020202020204" pitchFamily="34" charset="0"/>
+              <a:buChar char="•"/>
               <a:defRPr/>
             </a:pPr>
             <a:r>
-              <a:rPr lang="en-US" sz="2400" b="1" dirty="0"/>
-              <a:t>Override switch and spare bus.</a:t>
-            </a:r>
-            <a:endParaRPr lang="en-US" b="1" dirty="0"/>
-          </a:p>
-          <a:p>
-            <a:pPr>
+              <a:rPr lang="en-US" sz="2800" dirty="0"/>
+              <a:t>Currently we achieved the following </a:t>
+            </a:r>
+          </a:p>
+          <a:p>
+            <a:pPr marL="742950" lvl="1" indent="-285750">
+              <a:buFont typeface="Arial" panose="020B0604020202020204" pitchFamily="34" charset="0"/>
+              <a:buChar char="•"/>
               <a:defRPr/>
             </a:pPr>
             <a:r>
-              <a:rPr lang="en-US" dirty="0"/>
-              <a:t>In the initial design of the PCB, we created a spare bus connection to the microcontroller GPIOs and DC input in case of possible changes.</a:t>
-            </a:r>
-          </a:p>
-          <a:p>
-            <a:pPr>
+              <a:rPr lang="en-US" sz="2800" dirty="0"/>
+              <a:t>A system that fulfills the base conditions (moving the magnet on/off the sample) </a:t>
+            </a:r>
+          </a:p>
+          <a:p>
+            <a:pPr marL="742950" lvl="1" indent="-285750">
+              <a:buFont typeface="Arial" panose="020B0604020202020204" pitchFamily="34" charset="0"/>
+              <a:buChar char="•"/>
               <a:defRPr/>
             </a:pPr>
             <a:r>
-              <a:rPr lang="en-US" dirty="0"/>
-              <a:t>After we designed and printed the PCB, we decided that another component is needed, a switch that can override the software and move the magnet on/off the sample. </a:t>
-            </a:r>
-            <a:br>
-              <a:rPr lang="en-US" dirty="0"/>
-            </a:br>
-            <a:r>
-              <a:rPr lang="en-US" dirty="0"/>
-              <a:t>We used the spare bus GPIO to integrate the override switch to the system.</a:t>
-            </a:r>
-            <a:endParaRPr lang="en-US" sz="1600" dirty="0"/>
-          </a:p>
-        </p:txBody>
-      </p:sp>
+              <a:rPr lang="en-US" sz="2800" dirty="0"/>
+              <a:t>The system is robust – designed and printed a PCB and suitable connectors </a:t>
+            </a:r>
+          </a:p>
+          <a:p>
+            <a:pPr marL="742950" lvl="1" indent="-285750">
+              <a:buFont typeface="Arial" panose="020B0604020202020204" pitchFamily="34" charset="0"/>
+              <a:buChar char="•"/>
+              <a:defRPr/>
+            </a:pPr>
+            <a:r>
+              <a:rPr lang="en-US" sz="2800" dirty="0"/>
+              <a:t>Added peripheral parts such as LEDs and a switch </a:t>
+            </a:r>
+          </a:p>
+          <a:p>
+            <a:pPr marL="285750" indent="-285750">
+              <a:buFont typeface="Arial" panose="020B0604020202020204" pitchFamily="34" charset="0"/>
+              <a:buChar char="•"/>
+              <a:defRPr/>
+            </a:pPr>
+            <a:r>
+              <a:rPr lang="en-US" sz="2800" dirty="0"/>
+              <a:t>In comparison to the original plans </a:t>
+            </a:r>
+          </a:p>
+          <a:p>
+            <a:pPr marL="742950" lvl="1" indent="-285750">
+              <a:buFont typeface="Arial" panose="020B0604020202020204" pitchFamily="34" charset="0"/>
+              <a:buChar char="•"/>
+              <a:defRPr/>
+            </a:pPr>
+            <a:r>
+              <a:rPr lang="en-US" sz="2800" dirty="0"/>
+              <a:t>We didn’t integrate the system with Labview – still can’t control the magnet’s position by software in real time </a:t>
+            </a:r>
+          </a:p>
+          <a:p>
+            <a:pPr marL="742950" lvl="1" indent="-285750">
+              <a:buFont typeface="Arial" panose="020B0604020202020204" pitchFamily="34" charset="0"/>
+              <a:buChar char="•"/>
+              <a:defRPr/>
+            </a:pPr>
+            <a:r>
+              <a:rPr lang="en-US" sz="2800" dirty="0"/>
+              <a:t>We added a component that initially wasn’t planned – an override switch for multiple modes of moving the magnet</a:t>
+            </a:r>
+          </a:p>
+        </p:txBody>
+      </p:sp>
+      <p:pic>
+        <p:nvPicPr>
+          <p:cNvPr id="5" name="Graphic 4" descr="Presentation with media with solid fill">
+            <a:hlinkClick r:id="rId3" action="ppaction://hlinkfile"/>
+            <a:extLst>
+              <a:ext uri="{FF2B5EF4-FFF2-40B4-BE49-F238E27FC236}">
+                <a16:creationId xmlns:a16="http://schemas.microsoft.com/office/drawing/2014/main" id="{9B63A077-3EFC-54E8-899B-C0E4193B0F8C}"/>
+              </a:ext>
+            </a:extLst>
+          </p:cNvPr>
+          <p:cNvPicPr>
+            <a:picLocks noChangeAspect="1"/>
+          </p:cNvPicPr>
+          <p:nvPr/>
+        </p:nvPicPr>
+        <p:blipFill>
+          <a:blip r:embed="rId4">
+            <a:extLst>
+              <a:ext uri="{28A0092B-C50C-407E-A947-70E740481C1C}">
+                <a14:useLocalDpi xmlns:a14="http://schemas.microsoft.com/office/drawing/2010/main" val="0"/>
+              </a:ext>
+              <a:ext uri="{96DAC541-7B7A-43D3-8B79-37D633B846F1}">
+                <asvg:svgBlip xmlns:asvg="http://schemas.microsoft.com/office/drawing/2016/SVG/main" r:embed="rId5"/>
+              </a:ext>
+            </a:extLst>
+          </a:blip>
+          <a:stretch>
+            <a:fillRect/>
+          </a:stretch>
+        </p:blipFill>
+        <p:spPr>
+          <a:xfrm>
+            <a:off x="9124950" y="5580519"/>
+            <a:ext cx="914400" cy="914400"/>
+          </a:xfrm>
+          <a:prstGeom prst="rect">
+            <a:avLst/>
+          </a:prstGeom>
+        </p:spPr>
+      </p:pic>
     </p:spTree>
     <p:extLst>
       <p:ext uri="{BB962C8B-B14F-4D97-AF65-F5344CB8AC3E}">
-        <p14:creationId xmlns:p14="http://schemas.microsoft.com/office/powerpoint/2010/main" val="2079581846"/>
+        <p14:creationId xmlns:p14="http://schemas.microsoft.com/office/powerpoint/2010/main" val="2168511856"/>
       </p:ext>
     </p:extLst>
   </p:cSld>

--- a/main/prs_2022-048p.pptx
+++ b/main/prs_2022-048p.pptx
@@ -205,7 +205,7 @@
           <a:p>
             <a:fld id="{8ECBB550-6473-4691-BD56-C59D80F99B67}" type="datetimeFigureOut">
               <a:rPr lang="en-US" smtClean="0"/>
-              <a:t>6/12/2022</a:t>
+              <a:t>6/19/2022</a:t>
             </a:fld>
             <a:endParaRPr lang="en-US"/>
           </a:p>
@@ -619,7 +619,7 @@
           <a:p>
             <a:fld id="{4FD3647A-636B-45AF-916D-D283E7459960}" type="datetimeFigureOut">
               <a:rPr lang="en-US" smtClean="0"/>
-              <a:t>6/12/2022</a:t>
+              <a:t>6/19/2022</a:t>
             </a:fld>
             <a:endParaRPr lang="en-US"/>
           </a:p>
@@ -817,7 +817,7 @@
           <a:p>
             <a:fld id="{4FD3647A-636B-45AF-916D-D283E7459960}" type="datetimeFigureOut">
               <a:rPr lang="en-US" smtClean="0"/>
-              <a:t>6/12/2022</a:t>
+              <a:t>6/19/2022</a:t>
             </a:fld>
             <a:endParaRPr lang="en-US"/>
           </a:p>
@@ -1025,7 +1025,7 @@
           <a:p>
             <a:fld id="{4FD3647A-636B-45AF-916D-D283E7459960}" type="datetimeFigureOut">
               <a:rPr lang="en-US" smtClean="0"/>
-              <a:t>6/12/2022</a:t>
+              <a:t>6/19/2022</a:t>
             </a:fld>
             <a:endParaRPr lang="en-US"/>
           </a:p>
@@ -1223,7 +1223,7 @@
           <a:p>
             <a:fld id="{4FD3647A-636B-45AF-916D-D283E7459960}" type="datetimeFigureOut">
               <a:rPr lang="en-US" smtClean="0"/>
-              <a:t>6/12/2022</a:t>
+              <a:t>6/19/2022</a:t>
             </a:fld>
             <a:endParaRPr lang="en-US"/>
           </a:p>
@@ -1498,7 +1498,7 @@
           <a:p>
             <a:fld id="{4FD3647A-636B-45AF-916D-D283E7459960}" type="datetimeFigureOut">
               <a:rPr lang="en-US" smtClean="0"/>
-              <a:t>6/12/2022</a:t>
+              <a:t>6/19/2022</a:t>
             </a:fld>
             <a:endParaRPr lang="en-US"/>
           </a:p>
@@ -1763,7 +1763,7 @@
           <a:p>
             <a:fld id="{4FD3647A-636B-45AF-916D-D283E7459960}" type="datetimeFigureOut">
               <a:rPr lang="en-US" smtClean="0"/>
-              <a:t>6/12/2022</a:t>
+              <a:t>6/19/2022</a:t>
             </a:fld>
             <a:endParaRPr lang="en-US"/>
           </a:p>
@@ -2175,7 +2175,7 @@
           <a:p>
             <a:fld id="{4FD3647A-636B-45AF-916D-D283E7459960}" type="datetimeFigureOut">
               <a:rPr lang="en-US" smtClean="0"/>
-              <a:t>6/12/2022</a:t>
+              <a:t>6/19/2022</a:t>
             </a:fld>
             <a:endParaRPr lang="en-US"/>
           </a:p>
@@ -2316,7 +2316,7 @@
           <a:p>
             <a:fld id="{4FD3647A-636B-45AF-916D-D283E7459960}" type="datetimeFigureOut">
               <a:rPr lang="en-US" smtClean="0"/>
-              <a:t>6/12/2022</a:t>
+              <a:t>6/19/2022</a:t>
             </a:fld>
             <a:endParaRPr lang="en-US"/>
           </a:p>
@@ -2429,7 +2429,7 @@
           <a:p>
             <a:fld id="{4FD3647A-636B-45AF-916D-D283E7459960}" type="datetimeFigureOut">
               <a:rPr lang="en-US" smtClean="0"/>
-              <a:t>6/12/2022</a:t>
+              <a:t>6/19/2022</a:t>
             </a:fld>
             <a:endParaRPr lang="en-US"/>
           </a:p>
@@ -2740,7 +2740,7 @@
           <a:p>
             <a:fld id="{4FD3647A-636B-45AF-916D-D283E7459960}" type="datetimeFigureOut">
               <a:rPr lang="en-US" smtClean="0"/>
-              <a:t>6/12/2022</a:t>
+              <a:t>6/19/2022</a:t>
             </a:fld>
             <a:endParaRPr lang="en-US"/>
           </a:p>
@@ -3028,7 +3028,7 @@
           <a:p>
             <a:fld id="{4FD3647A-636B-45AF-916D-D283E7459960}" type="datetimeFigureOut">
               <a:rPr lang="en-US" smtClean="0"/>
-              <a:t>6/12/2022</a:t>
+              <a:t>6/19/2022</a:t>
             </a:fld>
             <a:endParaRPr lang="en-US"/>
           </a:p>
@@ -3269,7 +3269,7 @@
           <a:p>
             <a:fld id="{4FD3647A-636B-45AF-916D-D283E7459960}" type="datetimeFigureOut">
               <a:rPr lang="en-US" smtClean="0"/>
-              <a:t>6/12/2022</a:t>
+              <a:t>6/19/2022</a:t>
             </a:fld>
             <a:endParaRPr lang="en-US"/>
           </a:p>
@@ -3921,7 +3921,7 @@
         <p:spPr>
           <a:xfrm>
             <a:off x="1895474" y="1637314"/>
-            <a:ext cx="9705975" cy="3416320"/>
+            <a:ext cx="9705975" cy="3046988"/>
           </a:xfrm>
           <a:prstGeom prst="rect">
             <a:avLst/>
@@ -3940,7 +3940,7 @@
                 <a:latin typeface="Times New Roman" panose="02020603050405020304" pitchFamily="18" charset="0"/>
                 <a:ea typeface="Calibri" panose="020F0502020204030204" pitchFamily="34" charset="0"/>
               </a:rPr>
-              <a:t>In the future, we may not be able to solve any problem with Silicon, therefore there is motivation to research alternative materials, it requires </a:t>
+              <a:t>In the future, we may not be able to solve any problem with Silicon, therefore, there is motivation to research alternative materials, it requires </a:t>
             </a:r>
             <a:r>
               <a:rPr lang="en-US" sz="2400" dirty="0">
@@ -3993,15 +3993,6 @@
               <a:latin typeface="Times New Roman" panose="02020603050405020304" pitchFamily="18" charset="0"/>
               <a:ea typeface="Calibri" panose="020F0502020204030204" pitchFamily="34" charset="0"/>
             </a:endParaRPr>
-          </a:p>
-          <a:p>
-            <a:r>
-              <a:rPr lang="en-US" sz="2400" dirty="0">
-                <a:latin typeface="Times New Roman" panose="02020603050405020304" pitchFamily="18" charset="0"/>
-                <a:ea typeface="Calibri" panose="020F0502020204030204" pitchFamily="34" charset="0"/>
-              </a:rPr>
-              <a:t>Goal: </a:t>
-            </a:r>
           </a:p>
           <a:p>
             <a:r>
@@ -5591,7 +5582,7 @@
             </a:pPr>
             <a:r>
               <a:rPr lang="en-US" sz="2000" dirty="0"/>
-              <a:t>A magnet that is connected to a conveyor belt, this system is nailed to its surface to reduce physical disturbances and movements. </a:t>
+              <a:t>A magnet that is connected to a conveyor belt. The system is nailed to its surface to reduce physical disturbances and movements. </a:t>
             </a:r>
           </a:p>
           <a:p>
@@ -6091,7 +6082,7 @@
             </a:br>
             <a:r>
               <a:rPr lang="en-US" sz="2000" dirty="0"/>
-              <a:t>There are two ways to supply voltage to the microcontroller, through USB connection to a PC and through an external source, but not together to prevent short circuit between two suppliers.</a:t>
+              <a:t>There are two ways to supply voltage to the microcontroller, through USB connection to a PC and through an external source, but not together, this is to prevent short circuit between two suppliers.</a:t>
             </a:r>
           </a:p>
           <a:p>
@@ -6100,7 +6091,7 @@
             </a:pPr>
             <a:r>
               <a:rPr lang="en-US" sz="2000" dirty="0"/>
-              <a:t>The external source is the preferred way to supply power to the microcontroller in order to avoid the need to keep the USB always connected, but we need the USB to program the microcontroller. This is a problem since the design we made does not connect between the microcontroller DC input and the external source.  </a:t>
+              <a:t>The external source is the preferred way to supply power to the microcontroller in order to avoid the need to keep the USB always connected, but we need the USB to program the microcontroller. This is a problem since the PCB we designed does not connect between the microcontroller DC input and the external source.  </a:t>
             </a:r>
           </a:p>
           <a:p>
@@ -6251,7 +6242,7 @@
             </a:pPr>
             <a:r>
               <a:rPr lang="en-US" sz="2000" dirty="0"/>
-              <a:t>In the initial design of the PCB, we created a spare bus connection to the microcontroller GPIOs and DC input in case of possible changes.</a:t>
+              <a:t>In the initial design of the PCB, we created a spare bus connection to the microcontroller GPIOs* and DC input in case of possible changes.</a:t>
             </a:r>
           </a:p>
           <a:p>
@@ -6260,14 +6251,14 @@
             </a:pPr>
             <a:r>
               <a:rPr lang="en-US" sz="2000" dirty="0"/>
-              <a:t>After we designed and printed the PCB, we decided that another component is needed, a switch that can override the software and move the magnet on/off the sample. </a:t>
+              <a:t>After we designed and printed the PCB, we decided that another component is needed, a switch that can override the software and move the magnet on-off the sample. </a:t>
             </a:r>
             <a:br>
               <a:rPr lang="en-US" sz="2000" dirty="0"/>
             </a:br>
             <a:r>
               <a:rPr lang="en-US" sz="2000" dirty="0"/>
-              <a:t>We used the spare bus GPIO to integrate the override switch to the system.</a:t>
+              <a:t>We used the spare bus GPIOs to integrate the override switch to the system.</a:t>
             </a:r>
             <a:endParaRPr lang="en-US" dirty="0"/>
           </a:p>
@@ -6307,6 +6298,44 @@
             <a:r>
               <a:rPr lang="en-US" sz="3600" dirty="0"/>
               <a:t>Difficulties and solutions cont.</a:t>
+            </a:r>
+          </a:p>
+        </p:txBody>
+      </p:sp>
+      <p:sp>
+        <p:nvSpPr>
+          <p:cNvPr id="5" name="TextBox 4">
+            <a:extLst>
+              <a:ext uri="{FF2B5EF4-FFF2-40B4-BE49-F238E27FC236}">
+                <a16:creationId xmlns:a16="http://schemas.microsoft.com/office/drawing/2014/main" id="{34141B2C-5E32-2226-A188-5EAAE12733F2}"/>
+              </a:ext>
+            </a:extLst>
+          </p:cNvPr>
+          <p:cNvSpPr txBox="1"/>
+          <p:nvPr/>
+        </p:nvSpPr>
+        <p:spPr>
+          <a:xfrm>
+            <a:off x="633413" y="5297269"/>
+            <a:ext cx="9758362" cy="369332"/>
+          </a:xfrm>
+          <a:prstGeom prst="rect">
+            <a:avLst/>
+          </a:prstGeom>
+          <a:noFill/>
+        </p:spPr>
+        <p:txBody>
+          <a:bodyPr wrap="square" rtlCol="0">
+            <a:spAutoFit/>
+          </a:bodyPr>
+          <a:lstStyle/>
+          <a:p>
+            <a:pPr>
+              <a:defRPr/>
+            </a:pPr>
+            <a:r>
+              <a:rPr lang="en-US" dirty="0"/>
+              <a:t>GPIO* = General purpose input output</a:t>
             </a:r>
           </a:p>
         </p:txBody>
@@ -6471,7 +6500,7 @@
             </a:pPr>
             <a:r>
               <a:rPr lang="en-US" sz="2800" dirty="0"/>
-              <a:t>A system that fulfills the base conditions (moving the magnet on/off the sample) </a:t>
+              <a:t>A system that fulfills the base conditions (moving the magnet on-off the sample) </a:t>
             </a:r>
           </a:p>
           <a:p>
